--- a/lora mongodb final presentation.pptx
+++ b/lora mongodb final presentation.pptx
@@ -233,6 +233,34 @@
 </p:presentation>
 </file>
 
+<file path=ppt/commentAuthors.xml><?xml version="1.0" encoding="utf-8"?>
+<p:cmAuthorLst xmlns:a="http://schemas.openxmlformats.org/drawingml/2006/main" xmlns:r="http://schemas.openxmlformats.org/officeDocument/2006/relationships" xmlns:p="http://schemas.openxmlformats.org/presentationml/2006/main">
+  <p:cmAuthor id="1" name="ASUS-NB" initials="A" lastIdx="1" clrIdx="0">
+    <p:extLst>
+      <p:ext uri="{19B8F6BF-5375-455C-9EA6-DF929625EA0E}">
+        <p15:presenceInfo xmlns:p15="http://schemas.microsoft.com/office/powerpoint/2012/main" userId="ASUS-NB" providerId="None"/>
+      </p:ext>
+    </p:extLst>
+  </p:cmAuthor>
+</p:cmAuthorLst>
+</file>
+
+<file path=ppt/comments/comment1.xml><?xml version="1.0" encoding="utf-8"?>
+<p:cmLst xmlns:a="http://schemas.openxmlformats.org/drawingml/2006/main" xmlns:r="http://schemas.openxmlformats.org/officeDocument/2006/relationships" xmlns:p="http://schemas.openxmlformats.org/presentationml/2006/main">
+  <p:cm authorId="1" dt="2017-06-26T00:19:02.869" idx="1">
+    <p:pos x="10" y="10"/>
+    <p:text>因應現今物聯網系統提倡使用LORA之趨勢，
+運用LORA於物聯網中的興起結合國內目前實行的物聯網政策。業者和宅配人員合作，以每月一期租約方式出租GPS定位追蹤器。依照每期租約費用的不同，租方每月使用的服務次數會對應有所不同，租方可依照個人需求選擇方案。
+消費者得以在郵寄貴重物品時將GPS定位器放入包裹中結合LORA以及MQTT協定，隨時藉由網頁追蹤包裹所在位置。待包裹送至目的地後，宅配人員會依照寄件人地址將GPS追蹤器寄回，使消費者得以重複使用此功能直至租約到期或是使用次數達該月使用上限。</p:text>
+    <p:extLst>
+      <p:ext uri="{C676402C-5697-4E1C-873F-D02D1690AC5C}">
+        <p15:threadingInfo xmlns:p15="http://schemas.microsoft.com/office/powerpoint/2012/main" timeZoneBias="-480"/>
+      </p:ext>
+    </p:extLst>
+  </p:cm>
+</p:cmLst>
+</file>
+
 <file path=ppt/notesMasters/notesMaster1.xml><?xml version="1.0" encoding="utf-8"?>
 <p:notesMaster xmlns:a="http://schemas.openxmlformats.org/drawingml/2006/main" xmlns:r="http://schemas.openxmlformats.org/officeDocument/2006/relationships" xmlns:p="http://schemas.openxmlformats.org/presentationml/2006/main">
   <p:cSld>
@@ -618,6 +646,286 @@
             <p:ph type="sldImg"/>
           </p:nvPr>
         </p:nvSpPr>
+        <p:spPr/>
+      </p:sp>
+      <p:sp>
+        <p:nvSpPr>
+          <p:cNvPr id="3" name="備忘稿版面配置區 2"/>
+          <p:cNvSpPr>
+            <a:spLocks noGrp="1"/>
+          </p:cNvSpPr>
+          <p:nvPr>
+            <p:ph type="body" idx="1"/>
+          </p:nvPr>
+        </p:nvSpPr>
+        <p:spPr/>
+        <p:txBody>
+          <a:bodyPr/>
+          <a:lstStyle/>
+          <a:p>
+            <a:pPr marL="285750" indent="-285750">
+              <a:lnSpc>
+                <a:spcPct val="150000"/>
+              </a:lnSpc>
+              <a:buFont typeface="Arial" panose="020B0604020202020204" pitchFamily="34" charset="0"/>
+              <a:buChar char="•"/>
+            </a:pPr>
+            <a:r>
+              <a:rPr lang="zh-TW" altLang="en-US" sz="1100" dirty="0" smtClean="0">
+                <a:latin typeface="Times New Roman" panose="02020603050405020304" pitchFamily="18" charset="0"/>
+                <a:ea typeface="標楷體" panose="03000509000000000000" pitchFamily="65" charset="-120"/>
+                <a:cs typeface="Times New Roman" panose="02020603050405020304" pitchFamily="18" charset="0"/>
+              </a:rPr>
+              <a:t>因應現今物聯網系統提倡使用</a:t>
+            </a:r>
+            <a:r>
+              <a:rPr lang="en-US" altLang="zh-TW" sz="1100" dirty="0" smtClean="0">
+                <a:latin typeface="Times New Roman" panose="02020603050405020304" pitchFamily="18" charset="0"/>
+                <a:ea typeface="標楷體" panose="03000509000000000000" pitchFamily="65" charset="-120"/>
+                <a:cs typeface="Times New Roman" panose="02020603050405020304" pitchFamily="18" charset="0"/>
+              </a:rPr>
+              <a:t>LORA</a:t>
+            </a:r>
+            <a:r>
+              <a:rPr lang="zh-TW" altLang="en-US" sz="1100" dirty="0" smtClean="0">
+                <a:latin typeface="Times New Roman" panose="02020603050405020304" pitchFamily="18" charset="0"/>
+                <a:ea typeface="標楷體" panose="03000509000000000000" pitchFamily="65" charset="-120"/>
+                <a:cs typeface="Times New Roman" panose="02020603050405020304" pitchFamily="18" charset="0"/>
+              </a:rPr>
+              <a:t>之趨勢，</a:t>
+            </a:r>
+            <a:endParaRPr lang="en-US" altLang="zh-TW" sz="1100" dirty="0" smtClean="0">
+              <a:latin typeface="Times New Roman" panose="02020603050405020304" pitchFamily="18" charset="0"/>
+              <a:ea typeface="標楷體" panose="03000509000000000000" pitchFamily="65" charset="-120"/>
+              <a:cs typeface="Times New Roman" panose="02020603050405020304" pitchFamily="18" charset="0"/>
+            </a:endParaRPr>
+          </a:p>
+          <a:p>
+            <a:pPr marL="285750" indent="-285750">
+              <a:lnSpc>
+                <a:spcPct val="150000"/>
+              </a:lnSpc>
+              <a:buFont typeface="Arial" panose="020B0604020202020204" pitchFamily="34" charset="0"/>
+              <a:buChar char="•"/>
+            </a:pPr>
+            <a:r>
+              <a:rPr lang="zh-TW" altLang="en-US" sz="1100" dirty="0" smtClean="0">
+                <a:latin typeface="Times New Roman" panose="02020603050405020304" pitchFamily="18" charset="0"/>
+                <a:ea typeface="標楷體" panose="03000509000000000000" pitchFamily="65" charset="-120"/>
+                <a:cs typeface="Times New Roman" panose="02020603050405020304" pitchFamily="18" charset="0"/>
+              </a:rPr>
+              <a:t>運用</a:t>
+            </a:r>
+            <a:r>
+              <a:rPr lang="en-US" altLang="zh-TW" sz="1100" dirty="0" smtClean="0">
+                <a:latin typeface="Times New Roman" panose="02020603050405020304" pitchFamily="18" charset="0"/>
+                <a:ea typeface="標楷體" panose="03000509000000000000" pitchFamily="65" charset="-120"/>
+                <a:cs typeface="Times New Roman" panose="02020603050405020304" pitchFamily="18" charset="0"/>
+              </a:rPr>
+              <a:t>LORA</a:t>
+            </a:r>
+            <a:r>
+              <a:rPr lang="zh-TW" altLang="en-US" sz="1100" dirty="0" smtClean="0">
+                <a:latin typeface="Times New Roman" panose="02020603050405020304" pitchFamily="18" charset="0"/>
+                <a:ea typeface="標楷體" panose="03000509000000000000" pitchFamily="65" charset="-120"/>
+                <a:cs typeface="Times New Roman" panose="02020603050405020304" pitchFamily="18" charset="0"/>
+              </a:rPr>
+              <a:t>於物聯網中的興起結合國內目前實行的物聯網政策。業者和宅配人員合作，以每月一期租約方式出租</a:t>
+            </a:r>
+            <a:r>
+              <a:rPr lang="en-US" altLang="zh-TW" sz="1100" dirty="0" smtClean="0">
+                <a:latin typeface="Times New Roman" panose="02020603050405020304" pitchFamily="18" charset="0"/>
+                <a:ea typeface="標楷體" panose="03000509000000000000" pitchFamily="65" charset="-120"/>
+                <a:cs typeface="Times New Roman" panose="02020603050405020304" pitchFamily="18" charset="0"/>
+              </a:rPr>
+              <a:t>GPS</a:t>
+            </a:r>
+            <a:r>
+              <a:rPr lang="zh-TW" altLang="en-US" sz="1100" dirty="0" smtClean="0">
+                <a:latin typeface="Times New Roman" panose="02020603050405020304" pitchFamily="18" charset="0"/>
+                <a:ea typeface="標楷體" panose="03000509000000000000" pitchFamily="65" charset="-120"/>
+                <a:cs typeface="Times New Roman" panose="02020603050405020304" pitchFamily="18" charset="0"/>
+              </a:rPr>
+              <a:t>定位追蹤器。依照每期租約費用的不同，租方每月使用的服務次數會對應有所不同，租方可依照個人需求選擇方案。</a:t>
+            </a:r>
+            <a:endParaRPr lang="en-US" altLang="zh-TW" sz="1100" dirty="0" smtClean="0">
+              <a:latin typeface="Times New Roman" panose="02020603050405020304" pitchFamily="18" charset="0"/>
+              <a:ea typeface="標楷體" panose="03000509000000000000" pitchFamily="65" charset="-120"/>
+              <a:cs typeface="Times New Roman" panose="02020603050405020304" pitchFamily="18" charset="0"/>
+            </a:endParaRPr>
+          </a:p>
+          <a:p>
+            <a:pPr marL="285750" indent="-285750">
+              <a:lnSpc>
+                <a:spcPct val="150000"/>
+              </a:lnSpc>
+              <a:buFont typeface="Arial" panose="020B0604020202020204" pitchFamily="34" charset="0"/>
+              <a:buChar char="•"/>
+            </a:pPr>
+            <a:r>
+              <a:rPr lang="zh-TW" altLang="en-US" sz="1100" dirty="0" smtClean="0">
+                <a:latin typeface="Times New Roman" panose="02020603050405020304" pitchFamily="18" charset="0"/>
+                <a:ea typeface="標楷體" panose="03000509000000000000" pitchFamily="65" charset="-120"/>
+                <a:cs typeface="Times New Roman" panose="02020603050405020304" pitchFamily="18" charset="0"/>
+              </a:rPr>
+              <a:t>消費者得以在郵寄貴重物品時將</a:t>
+            </a:r>
+            <a:r>
+              <a:rPr lang="en-US" altLang="zh-TW" sz="1100" dirty="0" smtClean="0">
+                <a:latin typeface="Times New Roman" panose="02020603050405020304" pitchFamily="18" charset="0"/>
+                <a:ea typeface="標楷體" panose="03000509000000000000" pitchFamily="65" charset="-120"/>
+                <a:cs typeface="Times New Roman" panose="02020603050405020304" pitchFamily="18" charset="0"/>
+              </a:rPr>
+              <a:t>GPS</a:t>
+            </a:r>
+            <a:r>
+              <a:rPr lang="zh-TW" altLang="en-US" sz="1100" dirty="0" smtClean="0">
+                <a:latin typeface="Times New Roman" panose="02020603050405020304" pitchFamily="18" charset="0"/>
+                <a:ea typeface="標楷體" panose="03000509000000000000" pitchFamily="65" charset="-120"/>
+                <a:cs typeface="Times New Roman" panose="02020603050405020304" pitchFamily="18" charset="0"/>
+              </a:rPr>
+              <a:t>定位器放入包裹中結合</a:t>
+            </a:r>
+            <a:r>
+              <a:rPr lang="en-US" altLang="zh-TW" sz="1100" dirty="0" smtClean="0">
+                <a:latin typeface="Times New Roman" panose="02020603050405020304" pitchFamily="18" charset="0"/>
+                <a:ea typeface="標楷體" panose="03000509000000000000" pitchFamily="65" charset="-120"/>
+                <a:cs typeface="Times New Roman" panose="02020603050405020304" pitchFamily="18" charset="0"/>
+              </a:rPr>
+              <a:t>LORA</a:t>
+            </a:r>
+            <a:r>
+              <a:rPr lang="zh-TW" altLang="en-US" sz="1100" dirty="0" smtClean="0">
+                <a:latin typeface="Times New Roman" panose="02020603050405020304" pitchFamily="18" charset="0"/>
+                <a:ea typeface="標楷體" panose="03000509000000000000" pitchFamily="65" charset="-120"/>
+                <a:cs typeface="Times New Roman" panose="02020603050405020304" pitchFamily="18" charset="0"/>
+              </a:rPr>
+              <a:t>以及</a:t>
+            </a:r>
+            <a:r>
+              <a:rPr lang="en-US" altLang="zh-TW" sz="1100" dirty="0" smtClean="0">
+                <a:latin typeface="Times New Roman" panose="02020603050405020304" pitchFamily="18" charset="0"/>
+                <a:ea typeface="標楷體" panose="03000509000000000000" pitchFamily="65" charset="-120"/>
+                <a:cs typeface="Times New Roman" panose="02020603050405020304" pitchFamily="18" charset="0"/>
+              </a:rPr>
+              <a:t>MQTT</a:t>
+            </a:r>
+            <a:r>
+              <a:rPr lang="zh-TW" altLang="en-US" sz="1100" dirty="0" smtClean="0">
+                <a:latin typeface="Times New Roman" panose="02020603050405020304" pitchFamily="18" charset="0"/>
+                <a:ea typeface="標楷體" panose="03000509000000000000" pitchFamily="65" charset="-120"/>
+                <a:cs typeface="Times New Roman" panose="02020603050405020304" pitchFamily="18" charset="0"/>
+              </a:rPr>
+              <a:t>協定，隨時藉由網頁追蹤包裹所在位置。待包裹送至目的地後，宅配人員會依照寄件人地址將</a:t>
+            </a:r>
+            <a:r>
+              <a:rPr lang="en-US" altLang="zh-TW" sz="1100" dirty="0" smtClean="0">
+                <a:latin typeface="Times New Roman" panose="02020603050405020304" pitchFamily="18" charset="0"/>
+                <a:ea typeface="標楷體" panose="03000509000000000000" pitchFamily="65" charset="-120"/>
+                <a:cs typeface="Times New Roman" panose="02020603050405020304" pitchFamily="18" charset="0"/>
+              </a:rPr>
+              <a:t>GPS</a:t>
+            </a:r>
+            <a:r>
+              <a:rPr lang="zh-TW" altLang="en-US" sz="1100" dirty="0" smtClean="0">
+                <a:latin typeface="Times New Roman" panose="02020603050405020304" pitchFamily="18" charset="0"/>
+                <a:ea typeface="標楷體" panose="03000509000000000000" pitchFamily="65" charset="-120"/>
+                <a:cs typeface="Times New Roman" panose="02020603050405020304" pitchFamily="18" charset="0"/>
+              </a:rPr>
+              <a:t>追蹤器寄回，使消費者得以重複使用此功能直至租約到期或是使用次數達該月使用上限。</a:t>
+            </a:r>
+            <a:endParaRPr lang="en-US" altLang="zh-TW" sz="1100" dirty="0" smtClean="0">
+              <a:latin typeface="Times New Roman" panose="02020603050405020304" pitchFamily="18" charset="0"/>
+              <a:ea typeface="標楷體" panose="03000509000000000000" pitchFamily="65" charset="-120"/>
+              <a:cs typeface="Times New Roman" panose="02020603050405020304" pitchFamily="18" charset="0"/>
+            </a:endParaRPr>
+          </a:p>
+          <a:p>
+            <a:pPr marL="285750" marR="0" indent="-285750" algn="l" defTabSz="914400" rtl="0" eaLnBrk="1" fontAlgn="auto" latinLnBrk="0" hangingPunct="1">
+              <a:lnSpc>
+                <a:spcPct val="150000"/>
+              </a:lnSpc>
+              <a:spcBef>
+                <a:spcPts val="0"/>
+              </a:spcBef>
+              <a:spcAft>
+                <a:spcPts val="0"/>
+              </a:spcAft>
+              <a:buClrTx/>
+              <a:buSzTx/>
+              <a:buFont typeface="Arial" panose="020B0604020202020204" pitchFamily="34" charset="0"/>
+              <a:buChar char="•"/>
+              <a:tabLst/>
+              <a:defRPr/>
+            </a:pPr>
+            <a:r>
+              <a:rPr lang="zh-TW" altLang="en-US" sz="1100" dirty="0" smtClean="0">
+                <a:latin typeface="Times New Roman" panose="02020603050405020304" pitchFamily="18" charset="0"/>
+                <a:ea typeface="標楷體" panose="03000509000000000000" pitchFamily="65" charset="-120"/>
+                <a:cs typeface="Times New Roman" panose="02020603050405020304" pitchFamily="18" charset="0"/>
+              </a:rPr>
+              <a:t>使用租約而非販售的行銷模式主要是基於考量大部分的人並非隨時需要寄送貴重物品，同時希望使用這樣的服務不需過高花費，並且可於需要時再租用該服務，並降低使用定位服務的成本。另外租約方式會同時納入宅人寄回員費用，租約將可以提供宅配人員固定人工成本。</a:t>
+            </a:r>
+          </a:p>
+          <a:p>
+            <a:pPr marL="285750" indent="-285750">
+              <a:lnSpc>
+                <a:spcPct val="150000"/>
+              </a:lnSpc>
+              <a:buFont typeface="Arial" panose="020B0604020202020204" pitchFamily="34" charset="0"/>
+              <a:buChar char="•"/>
+            </a:pPr>
+            <a:endParaRPr lang="zh-TW" altLang="en-US" sz="1100" dirty="0" smtClean="0">
+              <a:latin typeface="Times New Roman" panose="02020603050405020304" pitchFamily="18" charset="0"/>
+              <a:ea typeface="標楷體" panose="03000509000000000000" pitchFamily="65" charset="-120"/>
+              <a:cs typeface="Times New Roman" panose="02020603050405020304" pitchFamily="18" charset="0"/>
+            </a:endParaRPr>
+          </a:p>
+          <a:p>
+            <a:endParaRPr lang="zh-TW" altLang="en-US" dirty="0"/>
+          </a:p>
+        </p:txBody>
+      </p:sp>
+    </p:spTree>
+    <p:extLst>
+      <p:ext uri="{BB962C8B-B14F-4D97-AF65-F5344CB8AC3E}">
+        <p14:creationId xmlns:p14="http://schemas.microsoft.com/office/powerpoint/2010/main" val="3125845444"/>
+      </p:ext>
+    </p:extLst>
+  </p:cSld>
+  <p:clrMapOvr>
+    <a:masterClrMapping/>
+  </p:clrMapOvr>
+</p:notes>
+</file>
+
+<file path=ppt/notesSlides/notesSlide3.xml><?xml version="1.0" encoding="utf-8"?>
+<p:notes xmlns:a="http://schemas.openxmlformats.org/drawingml/2006/main" xmlns:r="http://schemas.openxmlformats.org/officeDocument/2006/relationships" xmlns:p="http://schemas.openxmlformats.org/presentationml/2006/main">
+  <p:cSld>
+    <p:spTree>
+      <p:nvGrpSpPr>
+        <p:cNvPr id="1" name=""/>
+        <p:cNvGrpSpPr/>
+        <p:nvPr/>
+      </p:nvGrpSpPr>
+      <p:grpSpPr>
+        <a:xfrm>
+          <a:off x="0" y="0"/>
+          <a:ext cx="0" cy="0"/>
+          <a:chOff x="0" y="0"/>
+          <a:chExt cx="0" cy="0"/>
+        </a:xfrm>
+      </p:grpSpPr>
+      <p:sp>
+        <p:nvSpPr>
+          <p:cNvPr id="2" name="投影片圖像版面配置區 1"/>
+          <p:cNvSpPr>
+            <a:spLocks noGrp="1" noRot="1" noChangeAspect="1"/>
+          </p:cNvSpPr>
+          <p:nvPr>
+            <p:ph type="sldImg"/>
+          </p:nvPr>
+        </p:nvSpPr>
         <p:spPr>
           <a:xfrm>
             <a:off x="381000" y="685800"/>
@@ -657,7 +965,7 @@
 </p:notes>
 </file>
 
-<file path=ppt/notesSlides/notesSlide3.xml><?xml version="1.0" encoding="utf-8"?>
+<file path=ppt/notesSlides/notesSlide4.xml><?xml version="1.0" encoding="utf-8"?>
 <p:notes xmlns:a="http://schemas.openxmlformats.org/drawingml/2006/main" xmlns:r="http://schemas.openxmlformats.org/officeDocument/2006/relationships" xmlns:p="http://schemas.openxmlformats.org/presentationml/2006/main" showMasterSp="0" showMasterPhAnim="0">
   <p:cSld>
     <p:spTree>
@@ -3465,6 +3773,161 @@
           </a:prstGeom>
         </p:spPr>
       </p:pic>
+      <p:cxnSp>
+        <p:nvCxnSpPr>
+          <p:cNvPr id="8" name="直線接點 7"/>
+          <p:cNvCxnSpPr/>
+          <p:nvPr/>
+        </p:nvCxnSpPr>
+        <p:spPr>
+          <a:xfrm flipV="1">
+            <a:off x="4516159" y="1675238"/>
+            <a:ext cx="2722259" cy="795736"/>
+          </a:xfrm>
+          <a:prstGeom prst="line">
+            <a:avLst/>
+          </a:prstGeom>
+          <a:ln w="28575">
+            <a:solidFill>
+              <a:srgbClr val="FF0000"/>
+            </a:solidFill>
+          </a:ln>
+        </p:spPr>
+        <p:style>
+          <a:lnRef idx="1">
+            <a:schemeClr val="accent1"/>
+          </a:lnRef>
+          <a:fillRef idx="0">
+            <a:schemeClr val="accent1"/>
+          </a:fillRef>
+          <a:effectRef idx="0">
+            <a:schemeClr val="accent1"/>
+          </a:effectRef>
+          <a:fontRef idx="minor">
+            <a:schemeClr val="tx1"/>
+          </a:fontRef>
+        </p:style>
+      </p:cxnSp>
+      <p:cxnSp>
+        <p:nvCxnSpPr>
+          <p:cNvPr id="10" name="直線接點 9"/>
+          <p:cNvCxnSpPr/>
+          <p:nvPr/>
+        </p:nvCxnSpPr>
+        <p:spPr>
+          <a:xfrm flipV="1">
+            <a:off x="5667884" y="2317412"/>
+            <a:ext cx="1486772" cy="509550"/>
+          </a:xfrm>
+          <a:prstGeom prst="line">
+            <a:avLst/>
+          </a:prstGeom>
+          <a:ln w="28575">
+            <a:solidFill>
+              <a:srgbClr val="FF0000"/>
+            </a:solidFill>
+          </a:ln>
+        </p:spPr>
+        <p:style>
+          <a:lnRef idx="1">
+            <a:schemeClr val="accent1"/>
+          </a:lnRef>
+          <a:fillRef idx="0">
+            <a:schemeClr val="accent1"/>
+          </a:fillRef>
+          <a:effectRef idx="0">
+            <a:schemeClr val="accent1"/>
+          </a:effectRef>
+          <a:fontRef idx="minor">
+            <a:schemeClr val="tx1"/>
+          </a:fontRef>
+        </p:style>
+      </p:cxnSp>
+      <p:sp>
+        <p:nvSpPr>
+          <p:cNvPr id="13" name="文字方塊 12"/>
+          <p:cNvSpPr txBox="1"/>
+          <p:nvPr/>
+        </p:nvSpPr>
+        <p:spPr>
+          <a:xfrm>
+            <a:off x="7238418" y="1524374"/>
+            <a:ext cx="1019103" cy="338554"/>
+          </a:xfrm>
+          <a:prstGeom prst="rect">
+            <a:avLst/>
+          </a:prstGeom>
+          <a:noFill/>
+        </p:spPr>
+        <p:txBody>
+          <a:bodyPr wrap="square" rtlCol="0">
+            <a:spAutoFit/>
+          </a:bodyPr>
+          <a:lstStyle/>
+          <a:p>
+            <a:r>
+              <a:rPr lang="zh-TW" altLang="en-US" sz="1600" dirty="0">
+                <a:latin typeface="標楷體" panose="03000509000000000000" pitchFamily="65" charset="-120"/>
+                <a:ea typeface="標楷體" panose="03000509000000000000" pitchFamily="65" charset="-120"/>
+              </a:rPr>
+              <a:t>貨</a:t>
+            </a:r>
+            <a:r>
+              <a:rPr lang="zh-TW" altLang="en-US" sz="1600" dirty="0" smtClean="0">
+                <a:latin typeface="標楷體" panose="03000509000000000000" pitchFamily="65" charset="-120"/>
+                <a:ea typeface="標楷體" panose="03000509000000000000" pitchFamily="65" charset="-120"/>
+              </a:rPr>
+              <a:t>件</a:t>
+            </a:r>
+            <a:r>
+              <a:rPr lang="zh-TW" altLang="en-US" sz="1600" dirty="0">
+                <a:latin typeface="標楷體" panose="03000509000000000000" pitchFamily="65" charset="-120"/>
+                <a:ea typeface="標楷體" panose="03000509000000000000" pitchFamily="65" charset="-120"/>
+              </a:rPr>
+              <a:t>位置</a:t>
+            </a:r>
+          </a:p>
+        </p:txBody>
+      </p:sp>
+      <p:sp>
+        <p:nvSpPr>
+          <p:cNvPr id="14" name="文字方塊 13"/>
+          <p:cNvSpPr txBox="1"/>
+          <p:nvPr/>
+        </p:nvSpPr>
+        <p:spPr>
+          <a:xfrm>
+            <a:off x="7238417" y="2132420"/>
+            <a:ext cx="1291330" cy="338554"/>
+          </a:xfrm>
+          <a:prstGeom prst="rect">
+            <a:avLst/>
+          </a:prstGeom>
+          <a:noFill/>
+        </p:spPr>
+        <p:txBody>
+          <a:bodyPr wrap="square" rtlCol="0">
+            <a:spAutoFit/>
+          </a:bodyPr>
+          <a:lstStyle/>
+          <a:p>
+            <a:r>
+              <a:rPr lang="zh-TW" altLang="en-US" sz="1600" dirty="0" smtClean="0">
+                <a:latin typeface="標楷體" panose="03000509000000000000" pitchFamily="65" charset="-120"/>
+                <a:ea typeface="標楷體" panose="03000509000000000000" pitchFamily="65" charset="-120"/>
+              </a:rPr>
+              <a:t>鄰近警察</a:t>
+            </a:r>
+            <a:r>
+              <a:rPr lang="zh-TW" altLang="en-US" sz="1600" dirty="0">
+                <a:latin typeface="標楷體" panose="03000509000000000000" pitchFamily="65" charset="-120"/>
+                <a:ea typeface="標楷體" panose="03000509000000000000" pitchFamily="65" charset="-120"/>
+              </a:rPr>
+              <a:t>局</a:t>
+            </a:r>
+          </a:p>
+        </p:txBody>
+      </p:sp>
     </p:spTree>
     <p:extLst>
       <p:ext uri="{BB962C8B-B14F-4D97-AF65-F5344CB8AC3E}">
@@ -3475,6 +3938,13 @@
   <p:clrMapOvr>
     <a:masterClrMapping/>
   </p:clrMapOvr>
+  <p:timing>
+    <p:tnLst>
+      <p:par>
+        <p:cTn id="1" dur="indefinite" restart="never" nodeType="tmRoot"/>
+      </p:par>
+    </p:tnLst>
+  </p:timing>
 </p:sld>
 </file>
 
@@ -5872,6 +6342,13 @@
   <p:clrMapOvr>
     <a:masterClrMapping/>
   </p:clrMapOvr>
+  <p:timing>
+    <p:tnLst>
+      <p:par>
+        <p:cTn id="1" dur="indefinite" restart="never" nodeType="tmRoot"/>
+      </p:par>
+    </p:tnLst>
+  </p:timing>
 </p:sld>
 </file>
 
@@ -7242,6 +7719,13 @@
   <p:clrMapOvr>
     <a:masterClrMapping/>
   </p:clrMapOvr>
+  <p:timing>
+    <p:tnLst>
+      <p:par>
+        <p:cTn id="1" dur="indefinite" restart="never" nodeType="tmRoot"/>
+      </p:par>
+    </p:tnLst>
+  </p:timing>
 </p:sld>
 </file>
 
@@ -8181,6 +8665,13 @@
   <p:clrMapOvr>
     <a:masterClrMapping/>
   </p:clrMapOvr>
+  <p:timing>
+    <p:tnLst>
+      <p:par>
+        <p:cTn id="1" dur="indefinite" restart="never" nodeType="tmRoot"/>
+      </p:par>
+    </p:tnLst>
+  </p:timing>
 </p:sld>
 </file>
 
@@ -8470,6 +8961,13 @@
   <p:clrMapOvr>
     <a:masterClrMapping/>
   </p:clrMapOvr>
+  <p:timing>
+    <p:tnLst>
+      <p:par>
+        <p:cTn id="1" dur="indefinite" restart="never" nodeType="tmRoot"/>
+      </p:par>
+    </p:tnLst>
+  </p:timing>
 </p:sld>
 </file>
 
@@ -10319,6 +10817,13 @@
   <p:clrMapOvr>
     <a:masterClrMapping/>
   </p:clrMapOvr>
+  <p:timing>
+    <p:tnLst>
+      <p:par>
+        <p:cTn id="1" dur="indefinite" restart="never" nodeType="tmRoot"/>
+      </p:par>
+    </p:tnLst>
+  </p:timing>
 </p:sld>
 </file>
 
@@ -11318,6 +11823,13 @@
   <p:clrMapOvr>
     <a:masterClrMapping/>
   </p:clrMapOvr>
+  <p:timing>
+    <p:tnLst>
+      <p:par>
+        <p:cTn id="1" dur="indefinite" restart="never" nodeType="tmRoot"/>
+      </p:par>
+    </p:tnLst>
+  </p:timing>
 </p:sld>
 </file>
 

--- a/lora mongodb final presentation.pptx
+++ b/lora mongodb final presentation.pptx
@@ -5,7 +5,7 @@
     <p:sldMasterId id="2147483659" r:id="rId1"/>
   </p:sldMasterIdLst>
   <p:notesMasterIdLst>
-    <p:notesMasterId r:id="rId14"/>
+    <p:notesMasterId r:id="rId15"/>
   </p:notesMasterIdLst>
   <p:sldIdLst>
     <p:sldId id="256" r:id="rId2"/>
@@ -18,8 +18,9 @@
     <p:sldId id="301" r:id="rId9"/>
     <p:sldId id="303" r:id="rId10"/>
     <p:sldId id="302" r:id="rId11"/>
-    <p:sldId id="305" r:id="rId12"/>
-    <p:sldId id="280" r:id="rId13"/>
+    <p:sldId id="308" r:id="rId12"/>
+    <p:sldId id="305" r:id="rId13"/>
+    <p:sldId id="280" r:id="rId14"/>
   </p:sldIdLst>
   <p:sldSz cx="9144000" cy="5143500" type="screen16x9"/>
   <p:notesSz cx="6858000" cy="9144000"/>
@@ -3667,7 +3668,18 @@
                 <a:ea typeface="標楷體" panose="03000509000000000000" pitchFamily="65" charset="-120"/>
                 <a:cs typeface="Times New Roman" panose="02020603050405020304" pitchFamily="18" charset="0"/>
               </a:rPr>
-              <a:t>系統應用於貨件追縱之構想</a:t>
+              <a:t>系統應用於貨件追</a:t>
+            </a:r>
+            <a:r>
+              <a:rPr lang="zh-TW" altLang="en-US" sz="4000" dirty="0" smtClean="0">
+                <a:solidFill>
+                  <a:schemeClr val="tx1"/>
+                </a:solidFill>
+                <a:latin typeface="Times New Roman" panose="02020603050405020304" pitchFamily="18" charset="0"/>
+                <a:ea typeface="標楷體" panose="03000509000000000000" pitchFamily="65" charset="-120"/>
+                <a:cs typeface="Times New Roman" panose="02020603050405020304" pitchFamily="18" charset="0"/>
+              </a:rPr>
+              <a:t>縱</a:t>
             </a:r>
             <a:endParaRPr lang="zh-TW" altLang="en-US" sz="4000" dirty="0">
               <a:latin typeface="Times New Roman" panose="02020603050405020304" pitchFamily="18" charset="0"/>
@@ -3965,6 +3977,479 @@
           <a:chExt cx="0" cy="0"/>
         </a:xfrm>
       </p:grpSpPr>
+      <p:sp>
+        <p:nvSpPr>
+          <p:cNvPr id="2" name="文字方塊 1"/>
+          <p:cNvSpPr txBox="1"/>
+          <p:nvPr/>
+        </p:nvSpPr>
+        <p:spPr>
+          <a:xfrm>
+            <a:off x="861935" y="299804"/>
+            <a:ext cx="5194091" cy="646331"/>
+          </a:xfrm>
+          <a:prstGeom prst="rect">
+            <a:avLst/>
+          </a:prstGeom>
+          <a:noFill/>
+        </p:spPr>
+        <p:txBody>
+          <a:bodyPr wrap="square" rtlCol="0">
+            <a:spAutoFit/>
+          </a:bodyPr>
+          <a:lstStyle/>
+          <a:p>
+            <a:pPr marL="285744" indent="-285744">
+              <a:buFont typeface="Arial" panose="020B0604020202020204" pitchFamily="34" charset="0"/>
+              <a:buChar char="•"/>
+            </a:pPr>
+            <a:r>
+              <a:rPr lang="en-US" altLang="zh-TW" sz="3600" dirty="0" err="1" smtClean="0">
+                <a:latin typeface="Times New Roman" panose="02020603050405020304" pitchFamily="18" charset="0"/>
+                <a:cs typeface="Times New Roman" panose="02020603050405020304" pitchFamily="18" charset="0"/>
+              </a:rPr>
+              <a:t>Mongodb</a:t>
+            </a:r>
+            <a:r>
+              <a:rPr lang="en-US" altLang="zh-TW" sz="3600" dirty="0" smtClean="0">
+                <a:latin typeface="Times New Roman" panose="02020603050405020304" pitchFamily="18" charset="0"/>
+                <a:cs typeface="Times New Roman" panose="02020603050405020304" pitchFamily="18" charset="0"/>
+              </a:rPr>
+              <a:t> Database</a:t>
+            </a:r>
+            <a:endParaRPr lang="zh-TW" altLang="en-US" sz="3600" dirty="0">
+              <a:latin typeface="Times New Roman" panose="02020603050405020304" pitchFamily="18" charset="0"/>
+              <a:cs typeface="Times New Roman" panose="02020603050405020304" pitchFamily="18" charset="0"/>
+            </a:endParaRPr>
+          </a:p>
+        </p:txBody>
+      </p:sp>
+      <p:pic>
+        <p:nvPicPr>
+          <p:cNvPr id="5" name="圖片 4"/>
+          <p:cNvPicPr>
+            <a:picLocks noChangeAspect="1"/>
+          </p:cNvPicPr>
+          <p:nvPr/>
+        </p:nvPicPr>
+        <p:blipFill>
+          <a:blip r:embed="rId2"/>
+          <a:stretch>
+            <a:fillRect/>
+          </a:stretch>
+        </p:blipFill>
+        <p:spPr>
+          <a:xfrm>
+            <a:off x="861935" y="1050838"/>
+            <a:ext cx="7176434" cy="3730567"/>
+          </a:xfrm>
+          <a:prstGeom prst="rect">
+            <a:avLst/>
+          </a:prstGeom>
+        </p:spPr>
+      </p:pic>
+      <p:cxnSp>
+        <p:nvCxnSpPr>
+          <p:cNvPr id="11" name="直線接點 10"/>
+          <p:cNvCxnSpPr/>
+          <p:nvPr/>
+        </p:nvCxnSpPr>
+        <p:spPr>
+          <a:xfrm flipV="1">
+            <a:off x="4562255" y="1197921"/>
+            <a:ext cx="2317410" cy="670093"/>
+          </a:xfrm>
+          <a:prstGeom prst="line">
+            <a:avLst/>
+          </a:prstGeom>
+          <a:ln w="28575">
+            <a:solidFill>
+              <a:srgbClr val="FF0000"/>
+            </a:solidFill>
+          </a:ln>
+        </p:spPr>
+        <p:style>
+          <a:lnRef idx="1">
+            <a:schemeClr val="accent1"/>
+          </a:lnRef>
+          <a:fillRef idx="0">
+            <a:schemeClr val="accent1"/>
+          </a:fillRef>
+          <a:effectRef idx="0">
+            <a:schemeClr val="accent1"/>
+          </a:effectRef>
+          <a:fontRef idx="minor">
+            <a:schemeClr val="tx1"/>
+          </a:fontRef>
+        </p:style>
+      </p:cxnSp>
+      <p:cxnSp>
+        <p:nvCxnSpPr>
+          <p:cNvPr id="12" name="直線接點 11"/>
+          <p:cNvCxnSpPr/>
+          <p:nvPr/>
+        </p:nvCxnSpPr>
+        <p:spPr>
+          <a:xfrm flipV="1">
+            <a:off x="6058773" y="1210794"/>
+            <a:ext cx="2317410" cy="670093"/>
+          </a:xfrm>
+          <a:prstGeom prst="line">
+            <a:avLst/>
+          </a:prstGeom>
+          <a:ln w="28575">
+            <a:solidFill>
+              <a:srgbClr val="FF0000"/>
+            </a:solidFill>
+          </a:ln>
+        </p:spPr>
+        <p:style>
+          <a:lnRef idx="1">
+            <a:schemeClr val="accent1"/>
+          </a:lnRef>
+          <a:fillRef idx="0">
+            <a:schemeClr val="accent1"/>
+          </a:fillRef>
+          <a:effectRef idx="0">
+            <a:schemeClr val="accent1"/>
+          </a:effectRef>
+          <a:fontRef idx="minor">
+            <a:schemeClr val="tx1"/>
+          </a:fontRef>
+        </p:style>
+      </p:cxnSp>
+      <p:sp>
+        <p:nvSpPr>
+          <p:cNvPr id="15" name="文字方塊 14"/>
+          <p:cNvSpPr txBox="1"/>
+          <p:nvPr/>
+        </p:nvSpPr>
+        <p:spPr>
+          <a:xfrm>
+            <a:off x="6707927" y="829210"/>
+            <a:ext cx="1019103" cy="338554"/>
+          </a:xfrm>
+          <a:prstGeom prst="rect">
+            <a:avLst/>
+          </a:prstGeom>
+          <a:noFill/>
+        </p:spPr>
+        <p:txBody>
+          <a:bodyPr wrap="square" rtlCol="0">
+            <a:spAutoFit/>
+          </a:bodyPr>
+          <a:lstStyle/>
+          <a:p>
+            <a:r>
+              <a:rPr lang="zh-TW" altLang="en-US" sz="1600" dirty="0" smtClean="0">
+                <a:latin typeface="標楷體" panose="03000509000000000000" pitchFamily="65" charset="-120"/>
+                <a:ea typeface="標楷體" panose="03000509000000000000" pitchFamily="65" charset="-120"/>
+              </a:rPr>
+              <a:t>經</a:t>
+            </a:r>
+            <a:r>
+              <a:rPr lang="zh-TW" altLang="en-US" sz="1600" dirty="0">
+                <a:latin typeface="標楷體" panose="03000509000000000000" pitchFamily="65" charset="-120"/>
+                <a:ea typeface="標楷體" panose="03000509000000000000" pitchFamily="65" charset="-120"/>
+              </a:rPr>
+              <a:t>度</a:t>
+            </a:r>
+            <a:endParaRPr lang="zh-TW" altLang="en-US" sz="1600" dirty="0">
+              <a:latin typeface="標楷體" panose="03000509000000000000" pitchFamily="65" charset="-120"/>
+              <a:ea typeface="標楷體" panose="03000509000000000000" pitchFamily="65" charset="-120"/>
+            </a:endParaRPr>
+          </a:p>
+        </p:txBody>
+      </p:sp>
+      <p:sp>
+        <p:nvSpPr>
+          <p:cNvPr id="16" name="文字方塊 15"/>
+          <p:cNvSpPr txBox="1"/>
+          <p:nvPr/>
+        </p:nvSpPr>
+        <p:spPr>
+          <a:xfrm>
+            <a:off x="8315992" y="940024"/>
+            <a:ext cx="1019103" cy="338554"/>
+          </a:xfrm>
+          <a:prstGeom prst="rect">
+            <a:avLst/>
+          </a:prstGeom>
+          <a:noFill/>
+        </p:spPr>
+        <p:txBody>
+          <a:bodyPr wrap="square" rtlCol="0">
+            <a:spAutoFit/>
+          </a:bodyPr>
+          <a:lstStyle/>
+          <a:p>
+            <a:r>
+              <a:rPr lang="zh-TW" altLang="en-US" sz="1600" dirty="0">
+                <a:latin typeface="標楷體" panose="03000509000000000000" pitchFamily="65" charset="-120"/>
+                <a:ea typeface="標楷體" panose="03000509000000000000" pitchFamily="65" charset="-120"/>
+              </a:rPr>
+              <a:t>緯</a:t>
+            </a:r>
+            <a:r>
+              <a:rPr lang="zh-TW" altLang="en-US" sz="1600" dirty="0" smtClean="0">
+                <a:latin typeface="標楷體" panose="03000509000000000000" pitchFamily="65" charset="-120"/>
+                <a:ea typeface="標楷體" panose="03000509000000000000" pitchFamily="65" charset="-120"/>
+              </a:rPr>
+              <a:t>度</a:t>
+            </a:r>
+            <a:endParaRPr lang="zh-TW" altLang="en-US" sz="1600" dirty="0">
+              <a:latin typeface="標楷體" panose="03000509000000000000" pitchFamily="65" charset="-120"/>
+              <a:ea typeface="標楷體" panose="03000509000000000000" pitchFamily="65" charset="-120"/>
+            </a:endParaRPr>
+          </a:p>
+        </p:txBody>
+      </p:sp>
+      <p:cxnSp>
+        <p:nvCxnSpPr>
+          <p:cNvPr id="17" name="直線接點 16"/>
+          <p:cNvCxnSpPr/>
+          <p:nvPr/>
+        </p:nvCxnSpPr>
+        <p:spPr>
+          <a:xfrm flipV="1">
+            <a:off x="4903491" y="1985527"/>
+            <a:ext cx="3361010" cy="725284"/>
+          </a:xfrm>
+          <a:prstGeom prst="line">
+            <a:avLst/>
+          </a:prstGeom>
+          <a:ln w="28575">
+            <a:solidFill>
+              <a:srgbClr val="FF0000"/>
+            </a:solidFill>
+          </a:ln>
+        </p:spPr>
+        <p:style>
+          <a:lnRef idx="1">
+            <a:schemeClr val="accent1"/>
+          </a:lnRef>
+          <a:fillRef idx="0">
+            <a:schemeClr val="accent1"/>
+          </a:fillRef>
+          <a:effectRef idx="0">
+            <a:schemeClr val="accent1"/>
+          </a:effectRef>
+          <a:fontRef idx="minor">
+            <a:schemeClr val="tx1"/>
+          </a:fontRef>
+        </p:style>
+      </p:cxnSp>
+      <p:sp>
+        <p:nvSpPr>
+          <p:cNvPr id="18" name="文字方塊 17"/>
+          <p:cNvSpPr txBox="1"/>
+          <p:nvPr/>
+        </p:nvSpPr>
+        <p:spPr>
+          <a:xfrm>
+            <a:off x="8315991" y="1763899"/>
+            <a:ext cx="1019103" cy="584775"/>
+          </a:xfrm>
+          <a:prstGeom prst="rect">
+            <a:avLst/>
+          </a:prstGeom>
+          <a:noFill/>
+        </p:spPr>
+        <p:txBody>
+          <a:bodyPr wrap="square" rtlCol="0">
+            <a:spAutoFit/>
+          </a:bodyPr>
+          <a:lstStyle/>
+          <a:p>
+            <a:r>
+              <a:rPr lang="zh-TW" altLang="en-US" sz="1600" dirty="0" smtClean="0">
+                <a:latin typeface="標楷體" panose="03000509000000000000" pitchFamily="65" charset="-120"/>
+                <a:ea typeface="標楷體" panose="03000509000000000000" pitchFamily="65" charset="-120"/>
+              </a:rPr>
+              <a:t>資料對應時間</a:t>
+            </a:r>
+            <a:endParaRPr lang="zh-TW" altLang="en-US" sz="1600" dirty="0">
+              <a:latin typeface="標楷體" panose="03000509000000000000" pitchFamily="65" charset="-120"/>
+              <a:ea typeface="標楷體" panose="03000509000000000000" pitchFamily="65" charset="-120"/>
+            </a:endParaRPr>
+          </a:p>
+        </p:txBody>
+      </p:sp>
+      <p:sp>
+        <p:nvSpPr>
+          <p:cNvPr id="19" name="橢圓 18"/>
+          <p:cNvSpPr/>
+          <p:nvPr/>
+        </p:nvSpPr>
+        <p:spPr>
+          <a:xfrm>
+            <a:off x="4041508" y="1763899"/>
+            <a:ext cx="523512" cy="292387"/>
+          </a:xfrm>
+          <a:prstGeom prst="ellipse">
+            <a:avLst/>
+          </a:prstGeom>
+          <a:noFill/>
+          <a:ln>
+            <a:solidFill>
+              <a:srgbClr val="FF0000"/>
+            </a:solidFill>
+          </a:ln>
+        </p:spPr>
+        <p:style>
+          <a:lnRef idx="2">
+            <a:schemeClr val="accent1">
+              <a:shade val="50000"/>
+            </a:schemeClr>
+          </a:lnRef>
+          <a:fillRef idx="1">
+            <a:schemeClr val="accent1"/>
+          </a:fillRef>
+          <a:effectRef idx="0">
+            <a:schemeClr val="accent1"/>
+          </a:effectRef>
+          <a:fontRef idx="minor">
+            <a:schemeClr val="lt1"/>
+          </a:fontRef>
+        </p:style>
+        <p:txBody>
+          <a:bodyPr rtlCol="0" anchor="ctr"/>
+          <a:lstStyle/>
+          <a:p>
+            <a:pPr algn="ctr"/>
+            <a:endParaRPr lang="zh-TW" altLang="en-US"/>
+          </a:p>
+        </p:txBody>
+      </p:sp>
+      <p:sp>
+        <p:nvSpPr>
+          <p:cNvPr id="20" name="橢圓 19"/>
+          <p:cNvSpPr/>
+          <p:nvPr/>
+        </p:nvSpPr>
+        <p:spPr>
+          <a:xfrm>
+            <a:off x="5532514" y="1777723"/>
+            <a:ext cx="523512" cy="292387"/>
+          </a:xfrm>
+          <a:prstGeom prst="ellipse">
+            <a:avLst/>
+          </a:prstGeom>
+          <a:noFill/>
+          <a:ln>
+            <a:solidFill>
+              <a:srgbClr val="FF0000"/>
+            </a:solidFill>
+          </a:ln>
+        </p:spPr>
+        <p:style>
+          <a:lnRef idx="2">
+            <a:schemeClr val="accent1">
+              <a:shade val="50000"/>
+            </a:schemeClr>
+          </a:lnRef>
+          <a:fillRef idx="1">
+            <a:schemeClr val="accent1"/>
+          </a:fillRef>
+          <a:effectRef idx="0">
+            <a:schemeClr val="accent1"/>
+          </a:effectRef>
+          <a:fontRef idx="minor">
+            <a:schemeClr val="lt1"/>
+          </a:fontRef>
+        </p:style>
+        <p:txBody>
+          <a:bodyPr rtlCol="0" anchor="ctr"/>
+          <a:lstStyle/>
+          <a:p>
+            <a:pPr algn="ctr"/>
+            <a:endParaRPr lang="zh-TW" altLang="en-US"/>
+          </a:p>
+        </p:txBody>
+      </p:sp>
+      <p:sp>
+        <p:nvSpPr>
+          <p:cNvPr id="21" name="橢圓 20"/>
+          <p:cNvSpPr/>
+          <p:nvPr/>
+        </p:nvSpPr>
+        <p:spPr>
+          <a:xfrm>
+            <a:off x="3360523" y="2564617"/>
+            <a:ext cx="1542967" cy="292387"/>
+          </a:xfrm>
+          <a:prstGeom prst="ellipse">
+            <a:avLst/>
+          </a:prstGeom>
+          <a:noFill/>
+          <a:ln>
+            <a:solidFill>
+              <a:srgbClr val="FF0000"/>
+            </a:solidFill>
+          </a:ln>
+        </p:spPr>
+        <p:style>
+          <a:lnRef idx="2">
+            <a:schemeClr val="accent1">
+              <a:shade val="50000"/>
+            </a:schemeClr>
+          </a:lnRef>
+          <a:fillRef idx="1">
+            <a:schemeClr val="accent1"/>
+          </a:fillRef>
+          <a:effectRef idx="0">
+            <a:schemeClr val="accent1"/>
+          </a:effectRef>
+          <a:fontRef idx="minor">
+            <a:schemeClr val="lt1"/>
+          </a:fontRef>
+        </p:style>
+        <p:txBody>
+          <a:bodyPr rtlCol="0" anchor="ctr"/>
+          <a:lstStyle/>
+          <a:p>
+            <a:pPr algn="ctr"/>
+            <a:endParaRPr lang="zh-TW" altLang="en-US"/>
+          </a:p>
+        </p:txBody>
+      </p:sp>
+    </p:spTree>
+    <p:extLst>
+      <p:ext uri="{BB962C8B-B14F-4D97-AF65-F5344CB8AC3E}">
+        <p14:creationId xmlns:p14="http://schemas.microsoft.com/office/powerpoint/2010/main" val="1744220029"/>
+      </p:ext>
+    </p:extLst>
+  </p:cSld>
+  <p:clrMapOvr>
+    <a:masterClrMapping/>
+  </p:clrMapOvr>
+  <p:timing>
+    <p:tnLst>
+      <p:par>
+        <p:cTn id="1" dur="indefinite" restart="never" nodeType="tmRoot"/>
+      </p:par>
+    </p:tnLst>
+  </p:timing>
+</p:sld>
+</file>
+
+<file path=ppt/slides/slide12.xml><?xml version="1.0" encoding="utf-8"?>
+<p:sld xmlns:a="http://schemas.openxmlformats.org/drawingml/2006/main" xmlns:r="http://schemas.openxmlformats.org/officeDocument/2006/relationships" xmlns:p="http://schemas.openxmlformats.org/presentationml/2006/main">
+  <p:cSld>
+    <p:spTree>
+      <p:nvGrpSpPr>
+        <p:cNvPr id="1" name=""/>
+        <p:cNvGrpSpPr/>
+        <p:nvPr/>
+      </p:nvGrpSpPr>
+      <p:grpSpPr>
+        <a:xfrm>
+          <a:off x="0" y="0"/>
+          <a:ext cx="0" cy="0"/>
+          <a:chOff x="0" y="0"/>
+          <a:chExt cx="0" cy="0"/>
+        </a:xfrm>
+      </p:grpSpPr>
       <p:pic>
         <p:nvPicPr>
           <p:cNvPr id="44" name="Picture 20" descr="「SIMCOM SIM900 GPRS/GSM Module」的圖片搜尋結果"/>
@@ -6352,7 +6837,7 @@
 </p:sld>
 </file>
 
-<file path=ppt/slides/slide12.xml><?xml version="1.0" encoding="utf-8"?>
+<file path=ppt/slides/slide13.xml><?xml version="1.0" encoding="utf-8"?>
 <p:sld xmlns:a="http://schemas.openxmlformats.org/drawingml/2006/main" xmlns:r="http://schemas.openxmlformats.org/officeDocument/2006/relationships" xmlns:p="http://schemas.openxmlformats.org/presentationml/2006/main">
   <p:cSld>
     <p:spTree>
@@ -7327,7 +7812,7 @@
         <p:spPr>
           <a:xfrm>
             <a:off x="1024351" y="924470"/>
-            <a:ext cx="6370820" cy="3785652"/>
+            <a:ext cx="6370820" cy="4154984"/>
           </a:xfrm>
           <a:prstGeom prst="rect">
             <a:avLst/>
@@ -7440,8 +7925,39 @@
                 <a:latin typeface="Times New Roman" panose="02020603050405020304" pitchFamily="18" charset="0"/>
                 <a:cs typeface="Times New Roman" panose="02020603050405020304" pitchFamily="18" charset="0"/>
               </a:rPr>
-              <a:t>Http User Interface</a:t>
-            </a:r>
+              <a:t>Http User </a:t>
+            </a:r>
+            <a:r>
+              <a:rPr lang="en-US" altLang="zh-TW" sz="2400" dirty="0" smtClean="0">
+                <a:latin typeface="Times New Roman" panose="02020603050405020304" pitchFamily="18" charset="0"/>
+                <a:cs typeface="Times New Roman" panose="02020603050405020304" pitchFamily="18" charset="0"/>
+              </a:rPr>
+              <a:t>Interface</a:t>
+            </a:r>
+          </a:p>
+          <a:p>
+            <a:pPr marL="285744" lvl="3" indent="-287993">
+              <a:buFont typeface="Arial" panose="020B0604020202020204" pitchFamily="34" charset="0"/>
+              <a:buChar char="•"/>
+            </a:pPr>
+            <a:r>
+              <a:rPr lang="en-US" altLang="zh-TW" sz="2400" dirty="0" err="1" smtClean="0">
+                <a:latin typeface="Times New Roman" panose="02020603050405020304" pitchFamily="18" charset="0"/>
+                <a:cs typeface="Times New Roman" panose="02020603050405020304" pitchFamily="18" charset="0"/>
+              </a:rPr>
+              <a:t>Mongodb</a:t>
+            </a:r>
+            <a:r>
+              <a:rPr lang="en-US" altLang="zh-TW" sz="2400" dirty="0" smtClean="0">
+                <a:latin typeface="Times New Roman" panose="02020603050405020304" pitchFamily="18" charset="0"/>
+                <a:cs typeface="Times New Roman" panose="02020603050405020304" pitchFamily="18" charset="0"/>
+              </a:rPr>
+              <a:t> Database</a:t>
+            </a:r>
+            <a:endParaRPr lang="en-US" altLang="zh-TW" sz="2400" dirty="0">
+              <a:latin typeface="Times New Roman" panose="02020603050405020304" pitchFamily="18" charset="0"/>
+              <a:cs typeface="Times New Roman" panose="02020603050405020304" pitchFamily="18" charset="0"/>
+            </a:endParaRPr>
           </a:p>
           <a:p>
             <a:pPr marL="285744" lvl="3" indent="-287993">

--- a/lora mongodb final presentation.pptx
+++ b/lora mongodb final presentation.pptx
@@ -5,7 +5,7 @@
     <p:sldMasterId id="2147483659" r:id="rId1"/>
   </p:sldMasterIdLst>
   <p:notesMasterIdLst>
-    <p:notesMasterId r:id="rId15"/>
+    <p:notesMasterId r:id="rId17"/>
   </p:notesMasterIdLst>
   <p:sldIdLst>
     <p:sldId id="256" r:id="rId2"/>
@@ -17,10 +17,12 @@
     <p:sldId id="300" r:id="rId8"/>
     <p:sldId id="301" r:id="rId9"/>
     <p:sldId id="303" r:id="rId10"/>
-    <p:sldId id="302" r:id="rId11"/>
-    <p:sldId id="308" r:id="rId12"/>
-    <p:sldId id="305" r:id="rId13"/>
-    <p:sldId id="280" r:id="rId14"/>
+    <p:sldId id="310" r:id="rId11"/>
+    <p:sldId id="311" r:id="rId12"/>
+    <p:sldId id="308" r:id="rId13"/>
+    <p:sldId id="302" r:id="rId14"/>
+    <p:sldId id="305" r:id="rId15"/>
+    <p:sldId id="280" r:id="rId16"/>
   </p:sldIdLst>
   <p:sldSz cx="9144000" cy="5143500" type="screen16x9"/>
   <p:notesSz cx="6858000" cy="9144000"/>
@@ -3748,11 +3750,11 @@
               <a:buChar char="•"/>
             </a:pPr>
             <a:r>
-              <a:rPr lang="en-US" altLang="zh-TW" sz="3600" dirty="0">
-                <a:latin typeface="Times New Roman" panose="02020603050405020304" pitchFamily="18" charset="0"/>
-                <a:cs typeface="Times New Roman" panose="02020603050405020304" pitchFamily="18" charset="0"/>
-              </a:rPr>
-              <a:t>HTTP User Interface</a:t>
+              <a:rPr lang="en-US" altLang="zh-TW" sz="3600" dirty="0" smtClean="0">
+                <a:latin typeface="Times New Roman" panose="02020603050405020304" pitchFamily="18" charset="0"/>
+                <a:cs typeface="Times New Roman" panose="02020603050405020304" pitchFamily="18" charset="0"/>
+              </a:rPr>
+              <a:t>Implementation</a:t>
             </a:r>
             <a:endParaRPr lang="zh-TW" altLang="en-US" sz="3600" dirty="0">
               <a:latin typeface="Times New Roman" panose="02020603050405020304" pitchFamily="18" charset="0"/>
@@ -3763,108 +3765,55 @@
       </p:sp>
       <p:pic>
         <p:nvPicPr>
-          <p:cNvPr id="4" name="圖片 3"/>
+          <p:cNvPr id="13" name="Picture 16" descr="「linkit smart 7688 duo」的圖片搜尋結果"/>
           <p:cNvPicPr>
-            <a:picLocks noChangeAspect="1"/>
+            <a:picLocks noChangeAspect="1" noChangeArrowheads="1"/>
           </p:cNvPicPr>
           <p:nvPr/>
         </p:nvPicPr>
         <p:blipFill>
-          <a:blip r:embed="rId2"/>
+          <a:blip r:embed="rId2" cstate="print">
+            <a:extLst>
+              <a:ext uri="{28A0092B-C50C-407E-A947-70E740481C1C}">
+                <a14:useLocalDpi xmlns:a14="http://schemas.microsoft.com/office/drawing/2010/main" val="0"/>
+              </a:ext>
+            </a:extLst>
+          </a:blip>
+          <a:srcRect/>
           <a:stretch>
             <a:fillRect/>
           </a:stretch>
         </p:blipFill>
-        <p:spPr>
-          <a:xfrm>
-            <a:off x="1589657" y="1207567"/>
-            <a:ext cx="5319239" cy="3419511"/>
+        <p:spPr bwMode="auto">
+          <a:xfrm>
+            <a:off x="407845" y="2147882"/>
+            <a:ext cx="2694584" cy="1796389"/>
           </a:xfrm>
           <a:prstGeom prst="rect">
             <a:avLst/>
           </a:prstGeom>
+          <a:noFill/>
+          <a:extLst>
+            <a:ext uri="{909E8E84-426E-40DD-AFC4-6F175D3DCCD1}">
+              <a14:hiddenFill xmlns:a14="http://schemas.microsoft.com/office/drawing/2010/main">
+                <a:solidFill>
+                  <a:srgbClr val="FFFFFF"/>
+                </a:solidFill>
+              </a14:hiddenFill>
+            </a:ext>
+          </a:extLst>
         </p:spPr>
       </p:pic>
-      <p:cxnSp>
-        <p:nvCxnSpPr>
-          <p:cNvPr id="8" name="直線接點 7"/>
-          <p:cNvCxnSpPr/>
-          <p:nvPr/>
-        </p:nvCxnSpPr>
-        <p:spPr>
-          <a:xfrm flipV="1">
-            <a:off x="4516159" y="1675238"/>
-            <a:ext cx="2722259" cy="795736"/>
-          </a:xfrm>
-          <a:prstGeom prst="line">
-            <a:avLst/>
-          </a:prstGeom>
-          <a:ln w="28575">
-            <a:solidFill>
-              <a:srgbClr val="FF0000"/>
-            </a:solidFill>
-          </a:ln>
-        </p:spPr>
-        <p:style>
-          <a:lnRef idx="1">
-            <a:schemeClr val="accent1"/>
-          </a:lnRef>
-          <a:fillRef idx="0">
-            <a:schemeClr val="accent1"/>
-          </a:fillRef>
-          <a:effectRef idx="0">
-            <a:schemeClr val="accent1"/>
-          </a:effectRef>
-          <a:fontRef idx="minor">
-            <a:schemeClr val="tx1"/>
-          </a:fontRef>
-        </p:style>
-      </p:cxnSp>
-      <p:cxnSp>
-        <p:nvCxnSpPr>
-          <p:cNvPr id="10" name="直線接點 9"/>
-          <p:cNvCxnSpPr/>
-          <p:nvPr/>
-        </p:nvCxnSpPr>
-        <p:spPr>
-          <a:xfrm flipV="1">
-            <a:off x="5667884" y="2317412"/>
-            <a:ext cx="1486772" cy="509550"/>
-          </a:xfrm>
-          <a:prstGeom prst="line">
-            <a:avLst/>
-          </a:prstGeom>
-          <a:ln w="28575">
-            <a:solidFill>
-              <a:srgbClr val="FF0000"/>
-            </a:solidFill>
-          </a:ln>
-        </p:spPr>
-        <p:style>
-          <a:lnRef idx="1">
-            <a:schemeClr val="accent1"/>
-          </a:lnRef>
-          <a:fillRef idx="0">
-            <a:schemeClr val="accent1"/>
-          </a:fillRef>
-          <a:effectRef idx="0">
-            <a:schemeClr val="accent1"/>
-          </a:effectRef>
-          <a:fontRef idx="minor">
-            <a:schemeClr val="tx1"/>
-          </a:fontRef>
-        </p:style>
-      </p:cxnSp>
-      <p:sp>
-        <p:nvSpPr>
-          <p:cNvPr id="13" name="文字方塊 12"/>
+      <p:sp>
+        <p:nvSpPr>
+          <p:cNvPr id="14" name="文字方塊 13"/>
           <p:cNvSpPr txBox="1"/>
           <p:nvPr/>
         </p:nvSpPr>
         <p:spPr>
           <a:xfrm>
-            <a:off x="7238418" y="1524374"/>
-            <a:ext cx="1019103" cy="338554"/>
+            <a:off x="2837090" y="1447800"/>
+            <a:ext cx="6074228" cy="3231654"/>
           </a:xfrm>
           <a:prstGeom prst="rect">
             <a:avLst/>
@@ -3878,72 +3827,539 @@
           <a:lstStyle/>
           <a:p>
             <a:r>
-              <a:rPr lang="zh-TW" altLang="en-US" sz="1600" dirty="0">
-                <a:latin typeface="標楷體" panose="03000509000000000000" pitchFamily="65" charset="-120"/>
+              <a:rPr lang="en-US" altLang="zh-TW" sz="1050" dirty="0" err="1">
+                <a:latin typeface="Times New Roman" panose="02020603050405020304" pitchFamily="18" charset="0"/>
                 <a:ea typeface="標楷體" panose="03000509000000000000" pitchFamily="65" charset="-120"/>
-              </a:rPr>
-              <a:t>貨</a:t>
-            </a:r>
-            <a:r>
-              <a:rPr lang="zh-TW" altLang="en-US" sz="1600" dirty="0" smtClean="0">
-                <a:latin typeface="標楷體" panose="03000509000000000000" pitchFamily="65" charset="-120"/>
+                <a:cs typeface="Times New Roman" panose="02020603050405020304" pitchFamily="18" charset="0"/>
+              </a:rPr>
+              <a:t>Linkit</a:t>
+            </a:r>
+            <a:r>
+              <a:rPr lang="en-US" altLang="zh-TW" sz="1050" dirty="0">
+                <a:latin typeface="Times New Roman" panose="02020603050405020304" pitchFamily="18" charset="0"/>
                 <a:ea typeface="標楷體" panose="03000509000000000000" pitchFamily="65" charset="-120"/>
-              </a:rPr>
-              <a:t>件</a:t>
-            </a:r>
-            <a:r>
-              <a:rPr lang="zh-TW" altLang="en-US" sz="1600" dirty="0">
-                <a:latin typeface="標楷體" panose="03000509000000000000" pitchFamily="65" charset="-120"/>
+                <a:cs typeface="Times New Roman" panose="02020603050405020304" pitchFamily="18" charset="0"/>
+              </a:rPr>
+              <a:t> </a:t>
+            </a:r>
+            <a:r>
+              <a:rPr lang="en-US" altLang="zh-TW" sz="1050" dirty="0">
+                <a:latin typeface="Times New Roman" panose="02020603050405020304" pitchFamily="18" charset="0"/>
                 <a:ea typeface="標楷體" panose="03000509000000000000" pitchFamily="65" charset="-120"/>
-              </a:rPr>
-              <a:t>位置</a:t>
-            </a:r>
-          </a:p>
-        </p:txBody>
-      </p:sp>
-      <p:sp>
-        <p:nvSpPr>
-          <p:cNvPr id="14" name="文字方塊 13"/>
-          <p:cNvSpPr txBox="1"/>
-          <p:nvPr/>
-        </p:nvSpPr>
-        <p:spPr>
-          <a:xfrm>
-            <a:off x="7238417" y="2132420"/>
-            <a:ext cx="1291330" cy="338554"/>
-          </a:xfrm>
-          <a:prstGeom prst="rect">
-            <a:avLst/>
-          </a:prstGeom>
-          <a:noFill/>
-        </p:spPr>
-        <p:txBody>
-          <a:bodyPr wrap="square" rtlCol="0">
-            <a:spAutoFit/>
-          </a:bodyPr>
-          <a:lstStyle/>
-          <a:p>
-            <a:r>
-              <a:rPr lang="zh-TW" altLang="en-US" sz="1600" dirty="0" smtClean="0">
-                <a:latin typeface="標楷體" panose="03000509000000000000" pitchFamily="65" charset="-120"/>
+                <a:cs typeface="Times New Roman" panose="02020603050405020304" pitchFamily="18" charset="0"/>
+              </a:rPr>
+              <a:t>Smart 7688 </a:t>
+            </a:r>
+            <a:r>
+              <a:rPr lang="zh-TW" altLang="en-US" sz="1050" dirty="0">
+                <a:latin typeface="Times New Roman" panose="02020603050405020304" pitchFamily="18" charset="0"/>
                 <a:ea typeface="標楷體" panose="03000509000000000000" pitchFamily="65" charset="-120"/>
-              </a:rPr>
-              <a:t>鄰近警察</a:t>
-            </a:r>
-            <a:r>
-              <a:rPr lang="zh-TW" altLang="en-US" sz="1600" dirty="0">
-                <a:latin typeface="標楷體" panose="03000509000000000000" pitchFamily="65" charset="-120"/>
+                <a:cs typeface="Times New Roman" panose="02020603050405020304" pitchFamily="18" charset="0"/>
+              </a:rPr>
+              <a:t>與 </a:t>
+            </a:r>
+            <a:r>
+              <a:rPr lang="en-US" altLang="zh-TW" sz="1050" dirty="0">
+                <a:latin typeface="Times New Roman" panose="02020603050405020304" pitchFamily="18" charset="0"/>
                 <a:ea typeface="標楷體" panose="03000509000000000000" pitchFamily="65" charset="-120"/>
-              </a:rPr>
-              <a:t>局</a:t>
-            </a:r>
+                <a:cs typeface="Times New Roman" panose="02020603050405020304" pitchFamily="18" charset="0"/>
+              </a:rPr>
+              <a:t>7688 Duo </a:t>
+            </a:r>
+            <a:r>
+              <a:rPr lang="zh-TW" altLang="en-US" sz="1050" dirty="0">
+                <a:latin typeface="Times New Roman" panose="02020603050405020304" pitchFamily="18" charset="0"/>
+                <a:ea typeface="標楷體" panose="03000509000000000000" pitchFamily="65" charset="-120"/>
+                <a:cs typeface="Times New Roman" panose="02020603050405020304" pitchFamily="18" charset="0"/>
+              </a:rPr>
+              <a:t>這款開發</a:t>
+            </a:r>
+            <a:r>
+              <a:rPr lang="zh-TW" altLang="en-US" sz="1050" dirty="0">
+                <a:latin typeface="Times New Roman" panose="02020603050405020304" pitchFamily="18" charset="0"/>
+                <a:ea typeface="標楷體" panose="03000509000000000000" pitchFamily="65" charset="-120"/>
+                <a:cs typeface="Times New Roman" panose="02020603050405020304" pitchFamily="18" charset="0"/>
+              </a:rPr>
+              <a:t>板內</a:t>
+            </a:r>
+            <a:r>
+              <a:rPr lang="zh-TW" altLang="en-US" sz="1050" dirty="0">
+                <a:latin typeface="Times New Roman" panose="02020603050405020304" pitchFamily="18" charset="0"/>
+                <a:ea typeface="標楷體" panose="03000509000000000000" pitchFamily="65" charset="-120"/>
+                <a:cs typeface="Times New Roman" panose="02020603050405020304" pitchFamily="18" charset="0"/>
+              </a:rPr>
+              <a:t>置 </a:t>
+            </a:r>
+            <a:r>
+              <a:rPr lang="en-US" altLang="zh-TW" sz="1050" dirty="0" err="1">
+                <a:latin typeface="Times New Roman" panose="02020603050405020304" pitchFamily="18" charset="0"/>
+                <a:ea typeface="標楷體" panose="03000509000000000000" pitchFamily="65" charset="-120"/>
+                <a:cs typeface="Times New Roman" panose="02020603050405020304" pitchFamily="18" charset="0"/>
+              </a:rPr>
+              <a:t>Wifi</a:t>
+            </a:r>
+            <a:r>
+              <a:rPr lang="zh-TW" altLang="en-US" sz="1050" dirty="0">
+                <a:latin typeface="Times New Roman" panose="02020603050405020304" pitchFamily="18" charset="0"/>
+                <a:ea typeface="標楷體" panose="03000509000000000000" pitchFamily="65" charset="-120"/>
+                <a:cs typeface="Times New Roman" panose="02020603050405020304" pitchFamily="18" charset="0"/>
+              </a:rPr>
+              <a:t>功能</a:t>
+            </a:r>
+            <a:endParaRPr lang="en-US" altLang="zh-TW" sz="1050" dirty="0">
+              <a:latin typeface="Times New Roman" panose="02020603050405020304" pitchFamily="18" charset="0"/>
+              <a:ea typeface="標楷體" panose="03000509000000000000" pitchFamily="65" charset="-120"/>
+              <a:cs typeface="Times New Roman" panose="02020603050405020304" pitchFamily="18" charset="0"/>
+            </a:endParaRPr>
+          </a:p>
+          <a:p>
+            <a:endParaRPr lang="en-US" altLang="zh-TW" sz="1050" dirty="0">
+              <a:latin typeface="Times New Roman" panose="02020603050405020304" pitchFamily="18" charset="0"/>
+              <a:ea typeface="標楷體" panose="03000509000000000000" pitchFamily="65" charset="-120"/>
+              <a:cs typeface="Times New Roman" panose="02020603050405020304" pitchFamily="18" charset="0"/>
+            </a:endParaRPr>
+          </a:p>
+          <a:p>
+            <a:r>
+              <a:rPr lang="en-US" altLang="zh-TW" sz="1800" dirty="0">
+                <a:latin typeface="Times New Roman" panose="02020603050405020304" pitchFamily="18" charset="0"/>
+                <a:ea typeface="標楷體" panose="03000509000000000000" pitchFamily="65" charset="-120"/>
+                <a:cs typeface="Times New Roman" panose="02020603050405020304" pitchFamily="18" charset="0"/>
+              </a:rPr>
+              <a:t>MCU </a:t>
+            </a:r>
+            <a:r>
+              <a:rPr lang="zh-TW" altLang="en-US" sz="1800" dirty="0">
+                <a:latin typeface="Times New Roman" panose="02020603050405020304" pitchFamily="18" charset="0"/>
+                <a:ea typeface="標楷體" panose="03000509000000000000" pitchFamily="65" charset="-120"/>
+                <a:cs typeface="Times New Roman" panose="02020603050405020304" pitchFamily="18" charset="0"/>
+              </a:rPr>
+              <a:t>規格 </a:t>
+            </a:r>
+            <a:endParaRPr lang="en-US" altLang="zh-TW" sz="1800" dirty="0">
+              <a:latin typeface="Times New Roman" panose="02020603050405020304" pitchFamily="18" charset="0"/>
+              <a:ea typeface="標楷體" panose="03000509000000000000" pitchFamily="65" charset="-120"/>
+              <a:cs typeface="Times New Roman" panose="02020603050405020304" pitchFamily="18" charset="0"/>
+            </a:endParaRPr>
+          </a:p>
+          <a:p>
+            <a:r>
+              <a:rPr lang="en-US" altLang="zh-TW" sz="1050" dirty="0">
+                <a:latin typeface="Times New Roman" panose="02020603050405020304" pitchFamily="18" charset="0"/>
+                <a:ea typeface="標楷體" panose="03000509000000000000" pitchFamily="65" charset="-120"/>
+                <a:cs typeface="Times New Roman" panose="02020603050405020304" pitchFamily="18" charset="0"/>
+              </a:rPr>
+              <a:t>Microcontroller</a:t>
+            </a:r>
+            <a:r>
+              <a:rPr lang="en-US" altLang="zh-TW" sz="1050" dirty="0">
+                <a:latin typeface="Times New Roman" panose="02020603050405020304" pitchFamily="18" charset="0"/>
+                <a:ea typeface="標楷體" panose="03000509000000000000" pitchFamily="65" charset="-120"/>
+                <a:cs typeface="Times New Roman" panose="02020603050405020304" pitchFamily="18" charset="0"/>
+              </a:rPr>
+              <a:t> : </a:t>
+            </a:r>
+            <a:r>
+              <a:rPr lang="en-US" altLang="zh-TW" sz="1050" dirty="0" err="1">
+                <a:latin typeface="Times New Roman" panose="02020603050405020304" pitchFamily="18" charset="0"/>
+                <a:ea typeface="標楷體" panose="03000509000000000000" pitchFamily="65" charset="-120"/>
+                <a:cs typeface="Times New Roman" panose="02020603050405020304" pitchFamily="18" charset="0"/>
+              </a:rPr>
+              <a:t>ATmega</a:t>
+            </a:r>
+            <a:r>
+              <a:rPr lang="en-US" altLang="zh-TW" sz="1050" dirty="0">
+                <a:latin typeface="Times New Roman" panose="02020603050405020304" pitchFamily="18" charset="0"/>
+                <a:ea typeface="標楷體" panose="03000509000000000000" pitchFamily="65" charset="-120"/>
+                <a:cs typeface="Times New Roman" panose="02020603050405020304" pitchFamily="18" charset="0"/>
+              </a:rPr>
+              <a:t> 32U4</a:t>
+            </a:r>
+            <a:r>
+              <a:rPr lang="zh-TW" altLang="en-US" sz="1050" dirty="0">
+                <a:latin typeface="Times New Roman" panose="02020603050405020304" pitchFamily="18" charset="0"/>
+                <a:ea typeface="標楷體" panose="03000509000000000000" pitchFamily="65" charset="-120"/>
+                <a:cs typeface="Times New Roman" panose="02020603050405020304" pitchFamily="18" charset="0"/>
+              </a:rPr>
+              <a:t>，用於處理基本 </a:t>
+            </a:r>
+            <a:r>
+              <a:rPr lang="en-US" altLang="zh-TW" sz="1050" dirty="0">
+                <a:latin typeface="Times New Roman" panose="02020603050405020304" pitchFamily="18" charset="0"/>
+                <a:ea typeface="標楷體" panose="03000509000000000000" pitchFamily="65" charset="-120"/>
+                <a:cs typeface="Times New Roman" panose="02020603050405020304" pitchFamily="18" charset="0"/>
+              </a:rPr>
+              <a:t>I/O </a:t>
+            </a:r>
+            <a:r>
+              <a:rPr lang="zh-TW" altLang="en-US" sz="1050" dirty="0">
+                <a:latin typeface="Times New Roman" panose="02020603050405020304" pitchFamily="18" charset="0"/>
+                <a:ea typeface="標楷體" panose="03000509000000000000" pitchFamily="65" charset="-120"/>
+                <a:cs typeface="Times New Roman" panose="02020603050405020304" pitchFamily="18" charset="0"/>
+              </a:rPr>
+              <a:t>功能</a:t>
+            </a:r>
+          </a:p>
+          <a:p>
+            <a:r>
+              <a:rPr lang="en-US" altLang="zh-TW" sz="1050" dirty="0">
+                <a:latin typeface="Times New Roman" panose="02020603050405020304" pitchFamily="18" charset="0"/>
+                <a:ea typeface="標楷體" panose="03000509000000000000" pitchFamily="65" charset="-120"/>
+                <a:cs typeface="Times New Roman" panose="02020603050405020304" pitchFamily="18" charset="0"/>
+              </a:rPr>
+              <a:t>Operating Voltage : 3.3V</a:t>
+            </a:r>
+          </a:p>
+          <a:p>
+            <a:r>
+              <a:rPr lang="en-US" altLang="zh-TW" sz="1050" dirty="0">
+                <a:latin typeface="Times New Roman" panose="02020603050405020304" pitchFamily="18" charset="0"/>
+                <a:ea typeface="標楷體" panose="03000509000000000000" pitchFamily="65" charset="-120"/>
+                <a:cs typeface="Times New Roman" panose="02020603050405020304" pitchFamily="18" charset="0"/>
+              </a:rPr>
+              <a:t>Digital I/O Pins : 23</a:t>
+            </a:r>
+          </a:p>
+          <a:p>
+            <a:r>
+              <a:rPr lang="en-US" altLang="zh-TW" sz="1050" dirty="0">
+                <a:latin typeface="Times New Roman" panose="02020603050405020304" pitchFamily="18" charset="0"/>
+                <a:ea typeface="標楷體" panose="03000509000000000000" pitchFamily="65" charset="-120"/>
+                <a:cs typeface="Times New Roman" panose="02020603050405020304" pitchFamily="18" charset="0"/>
+              </a:rPr>
+              <a:t>PWM Channels : 8</a:t>
+            </a:r>
+          </a:p>
+          <a:p>
+            <a:r>
+              <a:rPr lang="en-US" altLang="zh-TW" sz="1050" dirty="0">
+                <a:latin typeface="Times New Roman" panose="02020603050405020304" pitchFamily="18" charset="0"/>
+                <a:ea typeface="標楷體" panose="03000509000000000000" pitchFamily="65" charset="-120"/>
+                <a:cs typeface="Times New Roman" panose="02020603050405020304" pitchFamily="18" charset="0"/>
+              </a:rPr>
+              <a:t>Flash memory : 32 </a:t>
+            </a:r>
+            <a:r>
+              <a:rPr lang="en-US" altLang="zh-TW" sz="1050" dirty="0">
+                <a:latin typeface="Times New Roman" panose="02020603050405020304" pitchFamily="18" charset="0"/>
+                <a:ea typeface="標楷體" panose="03000509000000000000" pitchFamily="65" charset="-120"/>
+                <a:cs typeface="Times New Roman" panose="02020603050405020304" pitchFamily="18" charset="0"/>
+              </a:rPr>
+              <a:t>KB</a:t>
+            </a:r>
+          </a:p>
+          <a:p>
+            <a:endParaRPr lang="en-US" altLang="zh-TW" sz="1050" dirty="0">
+              <a:latin typeface="Times New Roman" panose="02020603050405020304" pitchFamily="18" charset="0"/>
+              <a:ea typeface="標楷體" panose="03000509000000000000" pitchFamily="65" charset="-120"/>
+              <a:cs typeface="Times New Roman" panose="02020603050405020304" pitchFamily="18" charset="0"/>
+            </a:endParaRPr>
+          </a:p>
+          <a:p>
+            <a:r>
+              <a:rPr lang="en-US" altLang="zh-TW" sz="1800" dirty="0">
+                <a:latin typeface="Times New Roman" panose="02020603050405020304" pitchFamily="18" charset="0"/>
+                <a:ea typeface="標楷體" panose="03000509000000000000" pitchFamily="65" charset="-120"/>
+                <a:cs typeface="Times New Roman" panose="02020603050405020304" pitchFamily="18" charset="0"/>
+              </a:rPr>
+              <a:t>MT7688AN MPU </a:t>
+            </a:r>
+            <a:r>
+              <a:rPr lang="zh-TW" altLang="en-US" sz="1800" dirty="0">
+                <a:latin typeface="Times New Roman" panose="02020603050405020304" pitchFamily="18" charset="0"/>
+                <a:ea typeface="標楷體" panose="03000509000000000000" pitchFamily="65" charset="-120"/>
+                <a:cs typeface="Times New Roman" panose="02020603050405020304" pitchFamily="18" charset="0"/>
+              </a:rPr>
+              <a:t>規格</a:t>
+            </a:r>
+          </a:p>
+          <a:p>
+            <a:r>
+              <a:rPr lang="zh-TW" altLang="en-US" sz="1050" dirty="0">
+                <a:latin typeface="Times New Roman" panose="02020603050405020304" pitchFamily="18" charset="0"/>
+                <a:ea typeface="標楷體" panose="03000509000000000000" pitchFamily="65" charset="-120"/>
+                <a:cs typeface="Times New Roman" panose="02020603050405020304" pitchFamily="18" charset="0"/>
+              </a:rPr>
+              <a:t>此</a:t>
+            </a:r>
+            <a:r>
+              <a:rPr lang="en-US" altLang="zh-TW" sz="1050" dirty="0">
+                <a:latin typeface="Times New Roman" panose="02020603050405020304" pitchFamily="18" charset="0"/>
+                <a:ea typeface="標楷體" panose="03000509000000000000" pitchFamily="65" charset="-120"/>
+                <a:cs typeface="Times New Roman" panose="02020603050405020304" pitchFamily="18" charset="0"/>
+              </a:rPr>
+              <a:t>MPU</a:t>
+            </a:r>
+            <a:r>
+              <a:rPr lang="zh-TW" altLang="en-US" sz="1050" dirty="0">
+                <a:latin typeface="Times New Roman" panose="02020603050405020304" pitchFamily="18" charset="0"/>
+                <a:ea typeface="標楷體" panose="03000509000000000000" pitchFamily="65" charset="-120"/>
+                <a:cs typeface="Times New Roman" panose="02020603050405020304" pitchFamily="18" charset="0"/>
+              </a:rPr>
+              <a:t>可運行</a:t>
+            </a:r>
+            <a:r>
+              <a:rPr lang="zh-TW" altLang="en-US" sz="1050" dirty="0">
+                <a:latin typeface="Times New Roman" panose="02020603050405020304" pitchFamily="18" charset="0"/>
+                <a:ea typeface="標楷體" panose="03000509000000000000" pitchFamily="65" charset="-120"/>
+                <a:cs typeface="Times New Roman" panose="02020603050405020304" pitchFamily="18" charset="0"/>
+              </a:rPr>
+              <a:t>一個基於 </a:t>
+            </a:r>
+            <a:r>
+              <a:rPr lang="en-US" altLang="zh-TW" sz="1050" dirty="0">
+                <a:latin typeface="Times New Roman" panose="02020603050405020304" pitchFamily="18" charset="0"/>
+                <a:ea typeface="標楷體" panose="03000509000000000000" pitchFamily="65" charset="-120"/>
+                <a:cs typeface="Times New Roman" panose="02020603050405020304" pitchFamily="18" charset="0"/>
+              </a:rPr>
+              <a:t>Linux based </a:t>
+            </a:r>
+            <a:r>
+              <a:rPr lang="en-US" altLang="zh-TW" sz="1050" dirty="0" err="1">
+                <a:latin typeface="Times New Roman" panose="02020603050405020304" pitchFamily="18" charset="0"/>
+                <a:ea typeface="標楷體" panose="03000509000000000000" pitchFamily="65" charset="-120"/>
+                <a:cs typeface="Times New Roman" panose="02020603050405020304" pitchFamily="18" charset="0"/>
+              </a:rPr>
+              <a:t>OpenWRT</a:t>
+            </a:r>
+            <a:r>
+              <a:rPr lang="en-US" altLang="zh-TW" sz="1050" dirty="0">
+                <a:latin typeface="Times New Roman" panose="02020603050405020304" pitchFamily="18" charset="0"/>
+                <a:ea typeface="標楷體" panose="03000509000000000000" pitchFamily="65" charset="-120"/>
+                <a:cs typeface="Times New Roman" panose="02020603050405020304" pitchFamily="18" charset="0"/>
+              </a:rPr>
+              <a:t> </a:t>
+            </a:r>
+            <a:r>
+              <a:rPr lang="zh-TW" altLang="en-US" sz="1050" dirty="0">
+                <a:latin typeface="Times New Roman" panose="02020603050405020304" pitchFamily="18" charset="0"/>
+                <a:ea typeface="標楷體" panose="03000509000000000000" pitchFamily="65" charset="-120"/>
+                <a:cs typeface="Times New Roman" panose="02020603050405020304" pitchFamily="18" charset="0"/>
+              </a:rPr>
+              <a:t>操作</a:t>
+            </a:r>
+            <a:r>
+              <a:rPr lang="zh-TW" altLang="en-US" sz="1050" dirty="0">
+                <a:latin typeface="Times New Roman" panose="02020603050405020304" pitchFamily="18" charset="0"/>
+                <a:ea typeface="標楷體" panose="03000509000000000000" pitchFamily="65" charset="-120"/>
+                <a:cs typeface="Times New Roman" panose="02020603050405020304" pitchFamily="18" charset="0"/>
+              </a:rPr>
+              <a:t>系統</a:t>
+            </a:r>
+            <a:endParaRPr lang="en-US" altLang="zh-TW" sz="1050" dirty="0">
+              <a:latin typeface="Times New Roman" panose="02020603050405020304" pitchFamily="18" charset="0"/>
+              <a:ea typeface="標楷體" panose="03000509000000000000" pitchFamily="65" charset="-120"/>
+              <a:cs typeface="Times New Roman" panose="02020603050405020304" pitchFamily="18" charset="0"/>
+            </a:endParaRPr>
+          </a:p>
+          <a:p>
+            <a:r>
+              <a:rPr lang="en-US" altLang="zh-TW" sz="1050" dirty="0">
+                <a:latin typeface="Times New Roman" panose="02020603050405020304" pitchFamily="18" charset="0"/>
+                <a:ea typeface="標楷體" panose="03000509000000000000" pitchFamily="65" charset="-120"/>
+                <a:cs typeface="Times New Roman" panose="02020603050405020304" pitchFamily="18" charset="0"/>
+              </a:rPr>
+              <a:t>7688 </a:t>
+            </a:r>
+            <a:r>
+              <a:rPr lang="zh-TW" altLang="en-US" sz="1050" dirty="0">
+                <a:latin typeface="Times New Roman" panose="02020603050405020304" pitchFamily="18" charset="0"/>
+                <a:ea typeface="標楷體" panose="03000509000000000000" pitchFamily="65" charset="-120"/>
+                <a:cs typeface="Times New Roman" panose="02020603050405020304" pitchFamily="18" charset="0"/>
+              </a:rPr>
+              <a:t>上的 </a:t>
+            </a:r>
+            <a:r>
+              <a:rPr lang="en-US" altLang="zh-TW" sz="1050" dirty="0">
+                <a:latin typeface="Times New Roman" panose="02020603050405020304" pitchFamily="18" charset="0"/>
+                <a:ea typeface="標楷體" panose="03000509000000000000" pitchFamily="65" charset="-120"/>
+                <a:cs typeface="Times New Roman" panose="02020603050405020304" pitchFamily="18" charset="0"/>
+              </a:rPr>
+              <a:t>32mb flash </a:t>
+            </a:r>
+            <a:r>
+              <a:rPr lang="zh-TW" altLang="en-US" sz="1050" dirty="0">
+                <a:latin typeface="Times New Roman" panose="02020603050405020304" pitchFamily="18" charset="0"/>
+                <a:ea typeface="標楷體" panose="03000509000000000000" pitchFamily="65" charset="-120"/>
+                <a:cs typeface="Times New Roman" panose="02020603050405020304" pitchFamily="18" charset="0"/>
+              </a:rPr>
+              <a:t>已經包含了這個 </a:t>
+            </a:r>
+            <a:r>
+              <a:rPr lang="en-US" altLang="zh-TW" sz="1050" dirty="0" err="1">
+                <a:latin typeface="Times New Roman" panose="02020603050405020304" pitchFamily="18" charset="0"/>
+                <a:ea typeface="標楷體" panose="03000509000000000000" pitchFamily="65" charset="-120"/>
+                <a:cs typeface="Times New Roman" panose="02020603050405020304" pitchFamily="18" charset="0"/>
+              </a:rPr>
+              <a:t>linux</a:t>
+            </a:r>
+            <a:r>
+              <a:rPr lang="en-US" altLang="zh-TW" sz="1050" dirty="0">
+                <a:latin typeface="Times New Roman" panose="02020603050405020304" pitchFamily="18" charset="0"/>
+                <a:ea typeface="標楷體" panose="03000509000000000000" pitchFamily="65" charset="-120"/>
+                <a:cs typeface="Times New Roman" panose="02020603050405020304" pitchFamily="18" charset="0"/>
+              </a:rPr>
+              <a:t> </a:t>
+            </a:r>
+            <a:r>
+              <a:rPr lang="zh-TW" altLang="en-US" sz="1050" dirty="0">
+                <a:latin typeface="Times New Roman" panose="02020603050405020304" pitchFamily="18" charset="0"/>
+                <a:ea typeface="標楷體" panose="03000509000000000000" pitchFamily="65" charset="-120"/>
+                <a:cs typeface="Times New Roman" panose="02020603050405020304" pitchFamily="18" charset="0"/>
+              </a:rPr>
+              <a:t>作業系統</a:t>
+            </a:r>
+            <a:endParaRPr lang="en-US" altLang="zh-TW" sz="1050" dirty="0">
+              <a:latin typeface="Times New Roman" panose="02020603050405020304" pitchFamily="18" charset="0"/>
+              <a:ea typeface="標楷體" panose="03000509000000000000" pitchFamily="65" charset="-120"/>
+              <a:cs typeface="Times New Roman" panose="02020603050405020304" pitchFamily="18" charset="0"/>
+            </a:endParaRPr>
+          </a:p>
+          <a:p>
+            <a:r>
+              <a:rPr lang="zh-TW" altLang="en-US" sz="1050" dirty="0">
+                <a:latin typeface="Times New Roman" panose="02020603050405020304" pitchFamily="18" charset="0"/>
+                <a:ea typeface="標楷體" panose="03000509000000000000" pitchFamily="65" charset="-120"/>
+                <a:cs typeface="Times New Roman" panose="02020603050405020304" pitchFamily="18" charset="0"/>
+              </a:rPr>
+              <a:t>支援 </a:t>
+            </a:r>
+            <a:r>
+              <a:rPr lang="en-US" altLang="zh-TW" sz="1050" dirty="0">
+                <a:latin typeface="Times New Roman" panose="02020603050405020304" pitchFamily="18" charset="0"/>
+                <a:ea typeface="標楷體" panose="03000509000000000000" pitchFamily="65" charset="-120"/>
+                <a:cs typeface="Times New Roman" panose="02020603050405020304" pitchFamily="18" charset="0"/>
+              </a:rPr>
+              <a:t>Node.js</a:t>
+            </a:r>
+            <a:r>
+              <a:rPr lang="zh-TW" altLang="en-US" sz="1050" dirty="0">
+                <a:latin typeface="Times New Roman" panose="02020603050405020304" pitchFamily="18" charset="0"/>
+                <a:ea typeface="標楷體" panose="03000509000000000000" pitchFamily="65" charset="-120"/>
+                <a:cs typeface="Times New Roman" panose="02020603050405020304" pitchFamily="18" charset="0"/>
+              </a:rPr>
+              <a:t>、</a:t>
+            </a:r>
+            <a:r>
+              <a:rPr lang="en-US" altLang="zh-TW" sz="1050" dirty="0">
+                <a:latin typeface="Times New Roman" panose="02020603050405020304" pitchFamily="18" charset="0"/>
+                <a:ea typeface="標楷體" panose="03000509000000000000" pitchFamily="65" charset="-120"/>
+                <a:cs typeface="Times New Roman" panose="02020603050405020304" pitchFamily="18" charset="0"/>
+              </a:rPr>
+              <a:t>Python </a:t>
+            </a:r>
+            <a:r>
+              <a:rPr lang="zh-TW" altLang="en-US" sz="1050" dirty="0">
+                <a:latin typeface="Times New Roman" panose="02020603050405020304" pitchFamily="18" charset="0"/>
+                <a:ea typeface="標楷體" panose="03000509000000000000" pitchFamily="65" charset="-120"/>
+                <a:cs typeface="Times New Roman" panose="02020603050405020304" pitchFamily="18" charset="0"/>
+              </a:rPr>
+              <a:t>並且透過 </a:t>
+            </a:r>
+            <a:r>
+              <a:rPr lang="en-US" altLang="zh-TW" sz="1050" dirty="0">
+                <a:latin typeface="Times New Roman" panose="02020603050405020304" pitchFamily="18" charset="0"/>
+                <a:ea typeface="標楷體" panose="03000509000000000000" pitchFamily="65" charset="-120"/>
+                <a:cs typeface="Times New Roman" panose="02020603050405020304" pitchFamily="18" charset="0"/>
+              </a:rPr>
+              <a:t>Package manager </a:t>
+            </a:r>
+            <a:r>
+              <a:rPr lang="zh-TW" altLang="en-US" sz="1050" dirty="0">
+                <a:latin typeface="Times New Roman" panose="02020603050405020304" pitchFamily="18" charset="0"/>
+                <a:ea typeface="標楷體" panose="03000509000000000000" pitchFamily="65" charset="-120"/>
+                <a:cs typeface="Times New Roman" panose="02020603050405020304" pitchFamily="18" charset="0"/>
+              </a:rPr>
+              <a:t>來自由安裝其他套件</a:t>
+            </a:r>
+          </a:p>
+          <a:p>
+            <a:r>
+              <a:rPr lang="en-US" altLang="zh-TW" sz="1050" dirty="0" err="1">
+                <a:latin typeface="Times New Roman" panose="02020603050405020304" pitchFamily="18" charset="0"/>
+                <a:ea typeface="標楷體" panose="03000509000000000000" pitchFamily="65" charset="-120"/>
+                <a:cs typeface="Times New Roman" panose="02020603050405020304" pitchFamily="18" charset="0"/>
+              </a:rPr>
+              <a:t>WiFi</a:t>
+            </a:r>
+            <a:r>
+              <a:rPr lang="en-US" altLang="zh-TW" sz="1050" dirty="0">
+                <a:latin typeface="Times New Roman" panose="02020603050405020304" pitchFamily="18" charset="0"/>
+                <a:ea typeface="標楷體" panose="03000509000000000000" pitchFamily="65" charset="-120"/>
+                <a:cs typeface="Times New Roman" panose="02020603050405020304" pitchFamily="18" charset="0"/>
+              </a:rPr>
+              <a:t> : IEEE </a:t>
+            </a:r>
+            <a:r>
+              <a:rPr lang="en-US" altLang="zh-TW" sz="1050" dirty="0">
+                <a:latin typeface="Times New Roman" panose="02020603050405020304" pitchFamily="18" charset="0"/>
+                <a:ea typeface="標楷體" panose="03000509000000000000" pitchFamily="65" charset="-120"/>
+                <a:cs typeface="Times New Roman" panose="02020603050405020304" pitchFamily="18" charset="0"/>
+              </a:rPr>
+              <a:t>802.11b/g/n</a:t>
+            </a:r>
+          </a:p>
+          <a:p>
+            <a:r>
+              <a:rPr lang="en-US" altLang="zh-TW" sz="1050" dirty="0">
+                <a:latin typeface="Times New Roman" panose="02020603050405020304" pitchFamily="18" charset="0"/>
+                <a:ea typeface="標楷體" panose="03000509000000000000" pitchFamily="65" charset="-120"/>
+                <a:cs typeface="Times New Roman" panose="02020603050405020304" pitchFamily="18" charset="0"/>
+              </a:rPr>
+              <a:t>Card Reader : Micro-SD only</a:t>
+            </a:r>
+            <a:endParaRPr lang="en-US" altLang="zh-TW" sz="1050" dirty="0">
+              <a:latin typeface="Times New Roman" panose="02020603050405020304" pitchFamily="18" charset="0"/>
+              <a:ea typeface="標楷體" panose="03000509000000000000" pitchFamily="65" charset="-120"/>
+              <a:cs typeface="Times New Roman" panose="02020603050405020304" pitchFamily="18" charset="0"/>
+            </a:endParaRPr>
+          </a:p>
+          <a:p>
+            <a:r>
+              <a:rPr lang="en-US" altLang="zh-TW" sz="1050" dirty="0">
+                <a:latin typeface="Times New Roman" panose="02020603050405020304" pitchFamily="18" charset="0"/>
+                <a:ea typeface="標楷體" panose="03000509000000000000" pitchFamily="65" charset="-120"/>
+                <a:cs typeface="Times New Roman" panose="02020603050405020304" pitchFamily="18" charset="0"/>
+              </a:rPr>
+              <a:t>RAM : 128MB DDR2</a:t>
+            </a:r>
+          </a:p>
+          <a:p>
+            <a:r>
+              <a:rPr lang="en-US" altLang="zh-TW" sz="1050" dirty="0">
+                <a:latin typeface="Times New Roman" panose="02020603050405020304" pitchFamily="18" charset="0"/>
+                <a:ea typeface="標楷體" panose="03000509000000000000" pitchFamily="65" charset="-120"/>
+                <a:cs typeface="Times New Roman" panose="02020603050405020304" pitchFamily="18" charset="0"/>
+              </a:rPr>
+              <a:t>Flash </a:t>
+            </a:r>
+            <a:r>
+              <a:rPr lang="en-US" altLang="zh-TW" sz="1050" dirty="0">
+                <a:latin typeface="Times New Roman" panose="02020603050405020304" pitchFamily="18" charset="0"/>
+                <a:ea typeface="標楷體" panose="03000509000000000000" pitchFamily="65" charset="-120"/>
+                <a:cs typeface="Times New Roman" panose="02020603050405020304" pitchFamily="18" charset="0"/>
+              </a:rPr>
+              <a:t>Memory : 32 MB</a:t>
+            </a:r>
+            <a:endParaRPr lang="en-US" altLang="zh-TW" sz="1050" dirty="0">
+              <a:latin typeface="Times New Roman" panose="02020603050405020304" pitchFamily="18" charset="0"/>
+              <a:ea typeface="標楷體" panose="03000509000000000000" pitchFamily="65" charset="-120"/>
+              <a:cs typeface="Times New Roman" panose="02020603050405020304" pitchFamily="18" charset="0"/>
+            </a:endParaRPr>
+          </a:p>
+          <a:p>
+            <a:endParaRPr lang="zh-TW" altLang="en-US" sz="1050" dirty="0">
+              <a:latin typeface="Times New Roman" panose="02020603050405020304" pitchFamily="18" charset="0"/>
+              <a:ea typeface="標楷體" panose="03000509000000000000" pitchFamily="65" charset="-120"/>
+              <a:cs typeface="Times New Roman" panose="02020603050405020304" pitchFamily="18" charset="0"/>
+            </a:endParaRPr>
           </a:p>
         </p:txBody>
       </p:sp>
     </p:spTree>
     <p:extLst>
       <p:ext uri="{BB962C8B-B14F-4D97-AF65-F5344CB8AC3E}">
-        <p14:creationId xmlns:p14="http://schemas.microsoft.com/office/powerpoint/2010/main" val="2610060829"/>
+        <p14:creationId xmlns:p14="http://schemas.microsoft.com/office/powerpoint/2010/main" val="1309420462"/>
       </p:ext>
     </p:extLst>
   </p:cSld>
@@ -4004,6 +4420,107 @@
               <a:buChar char="•"/>
             </a:pPr>
             <a:r>
+              <a:rPr lang="en-US" altLang="zh-TW" sz="3600" dirty="0">
+                <a:latin typeface="Times New Roman" panose="02020603050405020304" pitchFamily="18" charset="0"/>
+                <a:cs typeface="Times New Roman" panose="02020603050405020304" pitchFamily="18" charset="0"/>
+              </a:rPr>
+              <a:t>Implementation</a:t>
+            </a:r>
+            <a:endParaRPr lang="zh-TW" altLang="en-US" sz="3600" dirty="0">
+              <a:latin typeface="Times New Roman" panose="02020603050405020304" pitchFamily="18" charset="0"/>
+              <a:cs typeface="Times New Roman" panose="02020603050405020304" pitchFamily="18" charset="0"/>
+            </a:endParaRPr>
+          </a:p>
+        </p:txBody>
+      </p:sp>
+      <p:pic>
+        <p:nvPicPr>
+          <p:cNvPr id="6" name="圖片 5"/>
+          <p:cNvPicPr>
+            <a:picLocks noChangeAspect="1"/>
+          </p:cNvPicPr>
+          <p:nvPr/>
+        </p:nvPicPr>
+        <p:blipFill>
+          <a:blip r:embed="rId2"/>
+          <a:stretch>
+            <a:fillRect/>
+          </a:stretch>
+        </p:blipFill>
+        <p:spPr>
+          <a:xfrm>
+            <a:off x="1088904" y="1146269"/>
+            <a:ext cx="6364408" cy="3706672"/>
+          </a:xfrm>
+          <a:prstGeom prst="rect">
+            <a:avLst/>
+          </a:prstGeom>
+        </p:spPr>
+      </p:pic>
+    </p:spTree>
+    <p:extLst>
+      <p:ext uri="{BB962C8B-B14F-4D97-AF65-F5344CB8AC3E}">
+        <p14:creationId xmlns:p14="http://schemas.microsoft.com/office/powerpoint/2010/main" val="1181906103"/>
+      </p:ext>
+    </p:extLst>
+  </p:cSld>
+  <p:clrMapOvr>
+    <a:masterClrMapping/>
+  </p:clrMapOvr>
+  <p:timing>
+    <p:tnLst>
+      <p:par>
+        <p:cTn id="1" dur="indefinite" restart="never" nodeType="tmRoot"/>
+      </p:par>
+    </p:tnLst>
+  </p:timing>
+</p:sld>
+</file>
+
+<file path=ppt/slides/slide12.xml><?xml version="1.0" encoding="utf-8"?>
+<p:sld xmlns:a="http://schemas.openxmlformats.org/drawingml/2006/main" xmlns:r="http://schemas.openxmlformats.org/officeDocument/2006/relationships" xmlns:p="http://schemas.openxmlformats.org/presentationml/2006/main">
+  <p:cSld>
+    <p:spTree>
+      <p:nvGrpSpPr>
+        <p:cNvPr id="1" name=""/>
+        <p:cNvGrpSpPr/>
+        <p:nvPr/>
+      </p:nvGrpSpPr>
+      <p:grpSpPr>
+        <a:xfrm>
+          <a:off x="0" y="0"/>
+          <a:ext cx="0" cy="0"/>
+          <a:chOff x="0" y="0"/>
+          <a:chExt cx="0" cy="0"/>
+        </a:xfrm>
+      </p:grpSpPr>
+      <p:sp>
+        <p:nvSpPr>
+          <p:cNvPr id="2" name="文字方塊 1"/>
+          <p:cNvSpPr txBox="1"/>
+          <p:nvPr/>
+        </p:nvSpPr>
+        <p:spPr>
+          <a:xfrm>
+            <a:off x="861935" y="299804"/>
+            <a:ext cx="5194091" cy="646331"/>
+          </a:xfrm>
+          <a:prstGeom prst="rect">
+            <a:avLst/>
+          </a:prstGeom>
+          <a:noFill/>
+        </p:spPr>
+        <p:txBody>
+          <a:bodyPr wrap="square" rtlCol="0">
+            <a:spAutoFit/>
+          </a:bodyPr>
+          <a:lstStyle/>
+          <a:p>
+            <a:pPr marL="285744" indent="-285744">
+              <a:buFont typeface="Arial" panose="020B0604020202020204" pitchFamily="34" charset="0"/>
+              <a:buChar char="•"/>
+            </a:pPr>
+            <a:r>
               <a:rPr lang="en-US" altLang="zh-TW" sz="3600" dirty="0" err="1" smtClean="0">
                 <a:latin typeface="Times New Roman" panose="02020603050405020304" pitchFamily="18" charset="0"/>
                 <a:cs typeface="Times New Roman" panose="02020603050405020304" pitchFamily="18" charset="0"/>
@@ -4154,10 +4671,6 @@
               </a:rPr>
               <a:t>度</a:t>
             </a:r>
-            <a:endParaRPr lang="zh-TW" altLang="en-US" sz="1600" dirty="0">
-              <a:latin typeface="標楷體" panose="03000509000000000000" pitchFamily="65" charset="-120"/>
-              <a:ea typeface="標楷體" panose="03000509000000000000" pitchFamily="65" charset="-120"/>
-            </a:endParaRPr>
           </a:p>
         </p:txBody>
       </p:sp>
@@ -4433,7 +4946,263 @@
 </p:sld>
 </file>
 
-<file path=ppt/slides/slide12.xml><?xml version="1.0" encoding="utf-8"?>
+<file path=ppt/slides/slide13.xml><?xml version="1.0" encoding="utf-8"?>
+<p:sld xmlns:a="http://schemas.openxmlformats.org/drawingml/2006/main" xmlns:r="http://schemas.openxmlformats.org/officeDocument/2006/relationships" xmlns:p="http://schemas.openxmlformats.org/presentationml/2006/main">
+  <p:cSld>
+    <p:spTree>
+      <p:nvGrpSpPr>
+        <p:cNvPr id="1" name=""/>
+        <p:cNvGrpSpPr/>
+        <p:nvPr/>
+      </p:nvGrpSpPr>
+      <p:grpSpPr>
+        <a:xfrm>
+          <a:off x="0" y="0"/>
+          <a:ext cx="0" cy="0"/>
+          <a:chOff x="0" y="0"/>
+          <a:chExt cx="0" cy="0"/>
+        </a:xfrm>
+      </p:grpSpPr>
+      <p:sp>
+        <p:nvSpPr>
+          <p:cNvPr id="2" name="文字方塊 1"/>
+          <p:cNvSpPr txBox="1"/>
+          <p:nvPr/>
+        </p:nvSpPr>
+        <p:spPr>
+          <a:xfrm>
+            <a:off x="861935" y="299804"/>
+            <a:ext cx="5194091" cy="646331"/>
+          </a:xfrm>
+          <a:prstGeom prst="rect">
+            <a:avLst/>
+          </a:prstGeom>
+          <a:noFill/>
+        </p:spPr>
+        <p:txBody>
+          <a:bodyPr wrap="square" rtlCol="0">
+            <a:spAutoFit/>
+          </a:bodyPr>
+          <a:lstStyle/>
+          <a:p>
+            <a:pPr marL="285744" indent="-285744">
+              <a:buFont typeface="Arial" panose="020B0604020202020204" pitchFamily="34" charset="0"/>
+              <a:buChar char="•"/>
+            </a:pPr>
+            <a:r>
+              <a:rPr lang="en-US" altLang="zh-TW" sz="3600" dirty="0">
+                <a:latin typeface="Times New Roman" panose="02020603050405020304" pitchFamily="18" charset="0"/>
+                <a:cs typeface="Times New Roman" panose="02020603050405020304" pitchFamily="18" charset="0"/>
+              </a:rPr>
+              <a:t>HTTP User Interface</a:t>
+            </a:r>
+            <a:endParaRPr lang="zh-TW" altLang="en-US" sz="3600" dirty="0">
+              <a:latin typeface="Times New Roman" panose="02020603050405020304" pitchFamily="18" charset="0"/>
+              <a:cs typeface="Times New Roman" panose="02020603050405020304" pitchFamily="18" charset="0"/>
+            </a:endParaRPr>
+          </a:p>
+        </p:txBody>
+      </p:sp>
+      <p:pic>
+        <p:nvPicPr>
+          <p:cNvPr id="4" name="圖片 3"/>
+          <p:cNvPicPr>
+            <a:picLocks noChangeAspect="1"/>
+          </p:cNvPicPr>
+          <p:nvPr/>
+        </p:nvPicPr>
+        <p:blipFill>
+          <a:blip r:embed="rId2"/>
+          <a:stretch>
+            <a:fillRect/>
+          </a:stretch>
+        </p:blipFill>
+        <p:spPr>
+          <a:xfrm>
+            <a:off x="1589657" y="1207567"/>
+            <a:ext cx="5319239" cy="3419511"/>
+          </a:xfrm>
+          <a:prstGeom prst="rect">
+            <a:avLst/>
+          </a:prstGeom>
+        </p:spPr>
+      </p:pic>
+      <p:cxnSp>
+        <p:nvCxnSpPr>
+          <p:cNvPr id="8" name="直線接點 7"/>
+          <p:cNvCxnSpPr/>
+          <p:nvPr/>
+        </p:nvCxnSpPr>
+        <p:spPr>
+          <a:xfrm flipV="1">
+            <a:off x="4516159" y="1675238"/>
+            <a:ext cx="2722259" cy="795736"/>
+          </a:xfrm>
+          <a:prstGeom prst="line">
+            <a:avLst/>
+          </a:prstGeom>
+          <a:ln w="28575">
+            <a:solidFill>
+              <a:srgbClr val="FF0000"/>
+            </a:solidFill>
+          </a:ln>
+        </p:spPr>
+        <p:style>
+          <a:lnRef idx="1">
+            <a:schemeClr val="accent1"/>
+          </a:lnRef>
+          <a:fillRef idx="0">
+            <a:schemeClr val="accent1"/>
+          </a:fillRef>
+          <a:effectRef idx="0">
+            <a:schemeClr val="accent1"/>
+          </a:effectRef>
+          <a:fontRef idx="minor">
+            <a:schemeClr val="tx1"/>
+          </a:fontRef>
+        </p:style>
+      </p:cxnSp>
+      <p:cxnSp>
+        <p:nvCxnSpPr>
+          <p:cNvPr id="10" name="直線接點 9"/>
+          <p:cNvCxnSpPr/>
+          <p:nvPr/>
+        </p:nvCxnSpPr>
+        <p:spPr>
+          <a:xfrm flipV="1">
+            <a:off x="5667884" y="2317412"/>
+            <a:ext cx="1486772" cy="509550"/>
+          </a:xfrm>
+          <a:prstGeom prst="line">
+            <a:avLst/>
+          </a:prstGeom>
+          <a:ln w="28575">
+            <a:solidFill>
+              <a:srgbClr val="FF0000"/>
+            </a:solidFill>
+          </a:ln>
+        </p:spPr>
+        <p:style>
+          <a:lnRef idx="1">
+            <a:schemeClr val="accent1"/>
+          </a:lnRef>
+          <a:fillRef idx="0">
+            <a:schemeClr val="accent1"/>
+          </a:fillRef>
+          <a:effectRef idx="0">
+            <a:schemeClr val="accent1"/>
+          </a:effectRef>
+          <a:fontRef idx="minor">
+            <a:schemeClr val="tx1"/>
+          </a:fontRef>
+        </p:style>
+      </p:cxnSp>
+      <p:sp>
+        <p:nvSpPr>
+          <p:cNvPr id="13" name="文字方塊 12"/>
+          <p:cNvSpPr txBox="1"/>
+          <p:nvPr/>
+        </p:nvSpPr>
+        <p:spPr>
+          <a:xfrm>
+            <a:off x="7238418" y="1524374"/>
+            <a:ext cx="1019103" cy="338554"/>
+          </a:xfrm>
+          <a:prstGeom prst="rect">
+            <a:avLst/>
+          </a:prstGeom>
+          <a:noFill/>
+        </p:spPr>
+        <p:txBody>
+          <a:bodyPr wrap="square" rtlCol="0">
+            <a:spAutoFit/>
+          </a:bodyPr>
+          <a:lstStyle/>
+          <a:p>
+            <a:r>
+              <a:rPr lang="zh-TW" altLang="en-US" sz="1600" dirty="0">
+                <a:latin typeface="標楷體" panose="03000509000000000000" pitchFamily="65" charset="-120"/>
+                <a:ea typeface="標楷體" panose="03000509000000000000" pitchFamily="65" charset="-120"/>
+              </a:rPr>
+              <a:t>貨</a:t>
+            </a:r>
+            <a:r>
+              <a:rPr lang="zh-TW" altLang="en-US" sz="1600" dirty="0" smtClean="0">
+                <a:latin typeface="標楷體" panose="03000509000000000000" pitchFamily="65" charset="-120"/>
+                <a:ea typeface="標楷體" panose="03000509000000000000" pitchFamily="65" charset="-120"/>
+              </a:rPr>
+              <a:t>件</a:t>
+            </a:r>
+            <a:r>
+              <a:rPr lang="zh-TW" altLang="en-US" sz="1600" dirty="0">
+                <a:latin typeface="標楷體" panose="03000509000000000000" pitchFamily="65" charset="-120"/>
+                <a:ea typeface="標楷體" panose="03000509000000000000" pitchFamily="65" charset="-120"/>
+              </a:rPr>
+              <a:t>位置</a:t>
+            </a:r>
+          </a:p>
+        </p:txBody>
+      </p:sp>
+      <p:sp>
+        <p:nvSpPr>
+          <p:cNvPr id="14" name="文字方塊 13"/>
+          <p:cNvSpPr txBox="1"/>
+          <p:nvPr/>
+        </p:nvSpPr>
+        <p:spPr>
+          <a:xfrm>
+            <a:off x="7238417" y="2132420"/>
+            <a:ext cx="1291330" cy="338554"/>
+          </a:xfrm>
+          <a:prstGeom prst="rect">
+            <a:avLst/>
+          </a:prstGeom>
+          <a:noFill/>
+        </p:spPr>
+        <p:txBody>
+          <a:bodyPr wrap="square" rtlCol="0">
+            <a:spAutoFit/>
+          </a:bodyPr>
+          <a:lstStyle/>
+          <a:p>
+            <a:r>
+              <a:rPr lang="zh-TW" altLang="en-US" sz="1600" dirty="0" smtClean="0">
+                <a:latin typeface="標楷體" panose="03000509000000000000" pitchFamily="65" charset="-120"/>
+                <a:ea typeface="標楷體" panose="03000509000000000000" pitchFamily="65" charset="-120"/>
+              </a:rPr>
+              <a:t>鄰近警察</a:t>
+            </a:r>
+            <a:r>
+              <a:rPr lang="zh-TW" altLang="en-US" sz="1600" dirty="0">
+                <a:latin typeface="標楷體" panose="03000509000000000000" pitchFamily="65" charset="-120"/>
+                <a:ea typeface="標楷體" panose="03000509000000000000" pitchFamily="65" charset="-120"/>
+              </a:rPr>
+              <a:t>局</a:t>
+            </a:r>
+          </a:p>
+        </p:txBody>
+      </p:sp>
+    </p:spTree>
+    <p:extLst>
+      <p:ext uri="{BB962C8B-B14F-4D97-AF65-F5344CB8AC3E}">
+        <p14:creationId xmlns:p14="http://schemas.microsoft.com/office/powerpoint/2010/main" val="2610060829"/>
+      </p:ext>
+    </p:extLst>
+  </p:cSld>
+  <p:clrMapOvr>
+    <a:masterClrMapping/>
+  </p:clrMapOvr>
+  <p:timing>
+    <p:tnLst>
+      <p:par>
+        <p:cTn id="1" dur="indefinite" restart="never" nodeType="tmRoot"/>
+      </p:par>
+    </p:tnLst>
+  </p:timing>
+</p:sld>
+</file>
+
+<file path=ppt/slides/slide14.xml><?xml version="1.0" encoding="utf-8"?>
 <p:sld xmlns:a="http://schemas.openxmlformats.org/drawingml/2006/main" xmlns:r="http://schemas.openxmlformats.org/officeDocument/2006/relationships" xmlns:p="http://schemas.openxmlformats.org/presentationml/2006/main">
   <p:cSld>
     <p:spTree>
@@ -6837,7 +7606,7 @@
 </p:sld>
 </file>
 
-<file path=ppt/slides/slide13.xml><?xml version="1.0" encoding="utf-8"?>
+<file path=ppt/slides/slide15.xml><?xml version="1.0" encoding="utf-8"?>
 <p:sld xmlns:a="http://schemas.openxmlformats.org/drawingml/2006/main" xmlns:r="http://schemas.openxmlformats.org/officeDocument/2006/relationships" xmlns:p="http://schemas.openxmlformats.org/presentationml/2006/main">
   <p:cSld>
     <p:spTree>
@@ -6866,8 +7635,8 @@
         </p:nvSpPr>
         <p:spPr>
           <a:xfrm>
-            <a:off x="685799" y="1391776"/>
-            <a:ext cx="7772400" cy="1159799"/>
+            <a:off x="0" y="1392238"/>
+            <a:ext cx="7772400" cy="1158875"/>
           </a:xfrm>
           <a:prstGeom prst="rect">
             <a:avLst/>
@@ -7908,7 +8677,7 @@
               <a:buChar char="•"/>
             </a:pPr>
             <a:r>
-              <a:rPr lang="en-US" altLang="zh-TW" sz="2400" dirty="0">
+              <a:rPr lang="en-US" altLang="zh-TW" sz="2400" dirty="0" smtClean="0">
                 <a:latin typeface="Times New Roman" panose="02020603050405020304" pitchFamily="18" charset="0"/>
                 <a:cs typeface="Times New Roman" panose="02020603050405020304" pitchFamily="18" charset="0"/>
               </a:rPr>
@@ -7921,19 +8690,30 @@
               <a:buChar char="•"/>
             </a:pPr>
             <a:r>
+              <a:rPr lang="en-US" altLang="zh-TW" sz="2400" dirty="0" err="1">
+                <a:latin typeface="Times New Roman" panose="02020603050405020304" pitchFamily="18" charset="0"/>
+                <a:cs typeface="Times New Roman" panose="02020603050405020304" pitchFamily="18" charset="0"/>
+              </a:rPr>
+              <a:t>Mongodb</a:t>
+            </a:r>
+            <a:r>
               <a:rPr lang="en-US" altLang="zh-TW" sz="2400" dirty="0">
                 <a:latin typeface="Times New Roman" panose="02020603050405020304" pitchFamily="18" charset="0"/>
                 <a:cs typeface="Times New Roman" panose="02020603050405020304" pitchFamily="18" charset="0"/>
               </a:rPr>
-              <a:t>Http User </a:t>
+              <a:t> </a:t>
             </a:r>
             <a:r>
               <a:rPr lang="en-US" altLang="zh-TW" sz="2400" dirty="0" smtClean="0">
                 <a:latin typeface="Times New Roman" panose="02020603050405020304" pitchFamily="18" charset="0"/>
                 <a:cs typeface="Times New Roman" panose="02020603050405020304" pitchFamily="18" charset="0"/>
               </a:rPr>
-              <a:t>Interface</a:t>
-            </a:r>
+              <a:t>Database</a:t>
+            </a:r>
+            <a:endParaRPr lang="en-US" altLang="zh-TW" sz="2400" dirty="0">
+              <a:latin typeface="Times New Roman" panose="02020603050405020304" pitchFamily="18" charset="0"/>
+              <a:cs typeface="Times New Roman" panose="02020603050405020304" pitchFamily="18" charset="0"/>
+            </a:endParaRPr>
           </a:p>
           <a:p>
             <a:pPr marL="285744" lvl="3" indent="-287993">
@@ -7941,23 +8721,19 @@
               <a:buChar char="•"/>
             </a:pPr>
             <a:r>
-              <a:rPr lang="en-US" altLang="zh-TW" sz="2400" dirty="0" err="1" smtClean="0">
-                <a:latin typeface="Times New Roman" panose="02020603050405020304" pitchFamily="18" charset="0"/>
-                <a:cs typeface="Times New Roman" panose="02020603050405020304" pitchFamily="18" charset="0"/>
-              </a:rPr>
-              <a:t>Mongodb</a:t>
+              <a:rPr lang="en-US" altLang="zh-TW" sz="2400" dirty="0">
+                <a:latin typeface="Times New Roman" panose="02020603050405020304" pitchFamily="18" charset="0"/>
+                <a:cs typeface="Times New Roman" panose="02020603050405020304" pitchFamily="18" charset="0"/>
+              </a:rPr>
+              <a:t>Http User </a:t>
             </a:r>
             <a:r>
               <a:rPr lang="en-US" altLang="zh-TW" sz="2400" dirty="0" smtClean="0">
                 <a:latin typeface="Times New Roman" panose="02020603050405020304" pitchFamily="18" charset="0"/>
                 <a:cs typeface="Times New Roman" panose="02020603050405020304" pitchFamily="18" charset="0"/>
               </a:rPr>
-              <a:t> Database</a:t>
-            </a:r>
-            <a:endParaRPr lang="en-US" altLang="zh-TW" sz="2400" dirty="0">
-              <a:latin typeface="Times New Roman" panose="02020603050405020304" pitchFamily="18" charset="0"/>
-              <a:cs typeface="Times New Roman" panose="02020603050405020304" pitchFamily="18" charset="0"/>
-            </a:endParaRPr>
+              <a:t>Interface</a:t>
+            </a:r>
           </a:p>
           <a:p>
             <a:pPr marL="285744" lvl="3" indent="-287993">
@@ -7965,11 +8741,18 @@
               <a:buChar char="•"/>
             </a:pPr>
             <a:r>
+              <a:rPr lang="en-US" altLang="zh-TW" sz="2400" dirty="0" smtClean="0">
+                <a:latin typeface="Times New Roman" panose="02020603050405020304" pitchFamily="18" charset="0"/>
+                <a:cs typeface="Times New Roman" panose="02020603050405020304" pitchFamily="18" charset="0"/>
+              </a:rPr>
+              <a:t>Future </a:t>
+            </a:r>
+            <a:r>
               <a:rPr lang="en-US" altLang="zh-TW" sz="2400" dirty="0">
                 <a:latin typeface="Times New Roman" panose="02020603050405020304" pitchFamily="18" charset="0"/>
                 <a:cs typeface="Times New Roman" panose="02020603050405020304" pitchFamily="18" charset="0"/>
               </a:rPr>
-              <a:t>Future Work</a:t>
+              <a:t>Work</a:t>
             </a:r>
           </a:p>
           <a:p>

--- a/lora mongodb final presentation.pptx
+++ b/lora mongodb final presentation.pptx
@@ -3547,6 +3547,16 @@
           </a:lstStyle>
           <a:p>
             <a:r>
+              <a:rPr lang="zh-TW" altLang="en-US" sz="2800" smtClean="0">
+                <a:solidFill>
+                  <a:schemeClr val="tx1"/>
+                </a:solidFill>
+                <a:latin typeface="Times New Roman" panose="02020603050405020304" pitchFamily="18" charset="0"/>
+                <a:ea typeface="標楷體" panose="03000509000000000000" pitchFamily="65" charset="-120"/>
+              </a:rPr>
+              <a:t>林</a:t>
+            </a:r>
+            <a:r>
               <a:rPr lang="zh-TW" altLang="en-US" sz="2800" dirty="0">
                 <a:solidFill>
                   <a:schemeClr val="tx1"/>
@@ -3554,37 +3564,7 @@
                 <a:latin typeface="Times New Roman" panose="02020603050405020304" pitchFamily="18" charset="0"/>
                 <a:ea typeface="標楷體" panose="03000509000000000000" pitchFamily="65" charset="-120"/>
               </a:rPr>
-              <a:t>電信</a:t>
-            </a:r>
-            <a:r>
-              <a:rPr lang="zh-TW" altLang="en-US" sz="2800" dirty="0" smtClean="0">
-                <a:solidFill>
-                  <a:schemeClr val="tx1"/>
-                </a:solidFill>
-                <a:latin typeface="Times New Roman" panose="02020603050405020304" pitchFamily="18" charset="0"/>
-                <a:ea typeface="標楷體" panose="03000509000000000000" pitchFamily="65" charset="-120"/>
-              </a:rPr>
-              <a:t>所</a:t>
-            </a:r>
-            <a:r>
-              <a:rPr lang="en" altLang="zh-TW" sz="2800" dirty="0" smtClean="0">
-                <a:solidFill>
-                  <a:schemeClr val="tx1"/>
-                </a:solidFill>
-                <a:latin typeface="Times New Roman" panose="02020603050405020304" pitchFamily="18" charset="0"/>
-                <a:ea typeface="標楷體" panose="03000509000000000000" pitchFamily="65" charset="-120"/>
-              </a:rPr>
-              <a:t> </a:t>
-            </a:r>
-            <a:r>
-              <a:rPr lang="zh-TW" altLang="en-US" sz="2800" dirty="0">
-                <a:solidFill>
-                  <a:schemeClr val="tx1"/>
-                </a:solidFill>
-                <a:latin typeface="Times New Roman" panose="02020603050405020304" pitchFamily="18" charset="0"/>
-                <a:ea typeface="標楷體" panose="03000509000000000000" pitchFamily="65" charset="-120"/>
-              </a:rPr>
-              <a:t>林柏呈</a:t>
+              <a:t>柏呈</a:t>
             </a:r>
             <a:r>
               <a:rPr lang="en" altLang="zh-TW" sz="2800" dirty="0">
@@ -3840,7 +3820,15 @@
                 <a:ea typeface="標楷體" panose="03000509000000000000" pitchFamily="65" charset="-120"/>
                 <a:cs typeface="Times New Roman" panose="02020603050405020304" pitchFamily="18" charset="0"/>
               </a:rPr>
-              <a:t> </a:t>
+              <a:t> Smart 7688 </a:t>
+            </a:r>
+            <a:r>
+              <a:rPr lang="zh-TW" altLang="en-US" sz="1050" dirty="0">
+                <a:latin typeface="Times New Roman" panose="02020603050405020304" pitchFamily="18" charset="0"/>
+                <a:ea typeface="標楷體" panose="03000509000000000000" pitchFamily="65" charset="-120"/>
+                <a:cs typeface="Times New Roman" panose="02020603050405020304" pitchFamily="18" charset="0"/>
+              </a:rPr>
+              <a:t>與 </a:t>
             </a:r>
             <a:r>
               <a:rPr lang="en-US" altLang="zh-TW" sz="1050" dirty="0">
@@ -3848,7 +3836,7 @@
                 <a:ea typeface="標楷體" panose="03000509000000000000" pitchFamily="65" charset="-120"/>
                 <a:cs typeface="Times New Roman" panose="02020603050405020304" pitchFamily="18" charset="0"/>
               </a:rPr>
-              <a:t>Smart 7688 </a:t>
+              <a:t>7688 Duo </a:t>
             </a:r>
             <a:r>
               <a:rPr lang="zh-TW" altLang="en-US" sz="1050" dirty="0">
@@ -3856,39 +3844,7 @@
                 <a:ea typeface="標楷體" panose="03000509000000000000" pitchFamily="65" charset="-120"/>
                 <a:cs typeface="Times New Roman" panose="02020603050405020304" pitchFamily="18" charset="0"/>
               </a:rPr>
-              <a:t>與 </a:t>
-            </a:r>
-            <a:r>
-              <a:rPr lang="en-US" altLang="zh-TW" sz="1050" dirty="0">
-                <a:latin typeface="Times New Roman" panose="02020603050405020304" pitchFamily="18" charset="0"/>
-                <a:ea typeface="標楷體" panose="03000509000000000000" pitchFamily="65" charset="-120"/>
-                <a:cs typeface="Times New Roman" panose="02020603050405020304" pitchFamily="18" charset="0"/>
-              </a:rPr>
-              <a:t>7688 Duo </a:t>
-            </a:r>
-            <a:r>
-              <a:rPr lang="zh-TW" altLang="en-US" sz="1050" dirty="0">
-                <a:latin typeface="Times New Roman" panose="02020603050405020304" pitchFamily="18" charset="0"/>
-                <a:ea typeface="標楷體" panose="03000509000000000000" pitchFamily="65" charset="-120"/>
-                <a:cs typeface="Times New Roman" panose="02020603050405020304" pitchFamily="18" charset="0"/>
-              </a:rPr>
-              <a:t>這款開發</a:t>
-            </a:r>
-            <a:r>
-              <a:rPr lang="zh-TW" altLang="en-US" sz="1050" dirty="0">
-                <a:latin typeface="Times New Roman" panose="02020603050405020304" pitchFamily="18" charset="0"/>
-                <a:ea typeface="標楷體" panose="03000509000000000000" pitchFamily="65" charset="-120"/>
-                <a:cs typeface="Times New Roman" panose="02020603050405020304" pitchFamily="18" charset="0"/>
-              </a:rPr>
-              <a:t>板內</a:t>
-            </a:r>
-            <a:r>
-              <a:rPr lang="zh-TW" altLang="en-US" sz="1050" dirty="0">
-                <a:latin typeface="Times New Roman" panose="02020603050405020304" pitchFamily="18" charset="0"/>
-                <a:ea typeface="標楷體" panose="03000509000000000000" pitchFamily="65" charset="-120"/>
-                <a:cs typeface="Times New Roman" panose="02020603050405020304" pitchFamily="18" charset="0"/>
-              </a:rPr>
-              <a:t>置 </a:t>
+              <a:t>這款開發板內置 </a:t>
             </a:r>
             <a:r>
               <a:rPr lang="en-US" altLang="zh-TW" sz="1050" dirty="0" err="1">
@@ -3949,7 +3905,15 @@
                 <a:ea typeface="標楷體" panose="03000509000000000000" pitchFamily="65" charset="-120"/>
                 <a:cs typeface="Times New Roman" panose="02020603050405020304" pitchFamily="18" charset="0"/>
               </a:rPr>
-              <a:t>Microcontroller</a:t>
+              <a:t>Microcontroller : </a:t>
+            </a:r>
+            <a:r>
+              <a:rPr lang="en-US" altLang="zh-TW" sz="1050" dirty="0" err="1">
+                <a:latin typeface="Times New Roman" panose="02020603050405020304" pitchFamily="18" charset="0"/>
+                <a:ea typeface="標楷體" panose="03000509000000000000" pitchFamily="65" charset="-120"/>
+                <a:cs typeface="Times New Roman" panose="02020603050405020304" pitchFamily="18" charset="0"/>
+              </a:rPr>
+              <a:t>ATmega</a:t>
             </a:r>
             <a:r>
               <a:rPr lang="en-US" altLang="zh-TW" sz="1050" dirty="0">
@@ -3957,15 +3921,15 @@
                 <a:ea typeface="標楷體" panose="03000509000000000000" pitchFamily="65" charset="-120"/>
                 <a:cs typeface="Times New Roman" panose="02020603050405020304" pitchFamily="18" charset="0"/>
               </a:rPr>
-              <a:t> : </a:t>
-            </a:r>
-            <a:r>
-              <a:rPr lang="en-US" altLang="zh-TW" sz="1050" dirty="0" err="1">
+              <a:t> 32U4</a:t>
+            </a:r>
+            <a:r>
+              <a:rPr lang="zh-TW" altLang="en-US" sz="1050" dirty="0">
                 <a:latin typeface="Times New Roman" panose="02020603050405020304" pitchFamily="18" charset="0"/>
                 <a:ea typeface="標楷體" panose="03000509000000000000" pitchFamily="65" charset="-120"/>
                 <a:cs typeface="Times New Roman" panose="02020603050405020304" pitchFamily="18" charset="0"/>
               </a:rPr>
-              <a:t>ATmega</a:t>
+              <a:t>，用於處理基本 </a:t>
             </a:r>
             <a:r>
               <a:rPr lang="en-US" altLang="zh-TW" sz="1050" dirty="0">
@@ -3973,7 +3937,7 @@
                 <a:ea typeface="標楷體" panose="03000509000000000000" pitchFamily="65" charset="-120"/>
                 <a:cs typeface="Times New Roman" panose="02020603050405020304" pitchFamily="18" charset="0"/>
               </a:rPr>
-              <a:t> 32U4</a:t>
+              <a:t>I/O </a:t>
             </a:r>
             <a:r>
               <a:rPr lang="zh-TW" altLang="en-US" sz="1050" dirty="0">
@@ -3981,23 +3945,27 @@
                 <a:ea typeface="標楷體" panose="03000509000000000000" pitchFamily="65" charset="-120"/>
                 <a:cs typeface="Times New Roman" panose="02020603050405020304" pitchFamily="18" charset="0"/>
               </a:rPr>
-              <a:t>，用於處理基本 </a:t>
-            </a:r>
+              <a:t>功能</a:t>
+            </a:r>
+          </a:p>
+          <a:p>
             <a:r>
               <a:rPr lang="en-US" altLang="zh-TW" sz="1050" dirty="0">
                 <a:latin typeface="Times New Roman" panose="02020603050405020304" pitchFamily="18" charset="0"/>
                 <a:ea typeface="標楷體" panose="03000509000000000000" pitchFamily="65" charset="-120"/>
                 <a:cs typeface="Times New Roman" panose="02020603050405020304" pitchFamily="18" charset="0"/>
               </a:rPr>
-              <a:t>I/O </a:t>
-            </a:r>
-            <a:r>
-              <a:rPr lang="zh-TW" altLang="en-US" sz="1050" dirty="0">
+              <a:t>Operating Voltage : 3.3V</a:t>
+            </a:r>
+          </a:p>
+          <a:p>
+            <a:r>
+              <a:rPr lang="en-US" altLang="zh-TW" sz="1050" dirty="0">
                 <a:latin typeface="Times New Roman" panose="02020603050405020304" pitchFamily="18" charset="0"/>
                 <a:ea typeface="標楷體" panose="03000509000000000000" pitchFamily="65" charset="-120"/>
                 <a:cs typeface="Times New Roman" panose="02020603050405020304" pitchFamily="18" charset="0"/>
               </a:rPr>
-              <a:t>功能</a:t>
+              <a:t>Digital I/O Pins : 23</a:t>
             </a:r>
           </a:p>
           <a:p>
@@ -4007,7 +3975,7 @@
                 <a:ea typeface="標楷體" panose="03000509000000000000" pitchFamily="65" charset="-120"/>
                 <a:cs typeface="Times New Roman" panose="02020603050405020304" pitchFamily="18" charset="0"/>
               </a:rPr>
-              <a:t>Operating Voltage : 3.3V</a:t>
+              <a:t>PWM Channels : 8</a:t>
             </a:r>
           </a:p>
           <a:p>
@@ -4017,35 +3985,7 @@
                 <a:ea typeface="標楷體" panose="03000509000000000000" pitchFamily="65" charset="-120"/>
                 <a:cs typeface="Times New Roman" panose="02020603050405020304" pitchFamily="18" charset="0"/>
               </a:rPr>
-              <a:t>Digital I/O Pins : 23</a:t>
-            </a:r>
-          </a:p>
-          <a:p>
-            <a:r>
-              <a:rPr lang="en-US" altLang="zh-TW" sz="1050" dirty="0">
-                <a:latin typeface="Times New Roman" panose="02020603050405020304" pitchFamily="18" charset="0"/>
-                <a:ea typeface="標楷體" panose="03000509000000000000" pitchFamily="65" charset="-120"/>
-                <a:cs typeface="Times New Roman" panose="02020603050405020304" pitchFamily="18" charset="0"/>
-              </a:rPr>
-              <a:t>PWM Channels : 8</a:t>
-            </a:r>
-          </a:p>
-          <a:p>
-            <a:r>
-              <a:rPr lang="en-US" altLang="zh-TW" sz="1050" dirty="0">
-                <a:latin typeface="Times New Roman" panose="02020603050405020304" pitchFamily="18" charset="0"/>
-                <a:ea typeface="標楷體" panose="03000509000000000000" pitchFamily="65" charset="-120"/>
-                <a:cs typeface="Times New Roman" panose="02020603050405020304" pitchFamily="18" charset="0"/>
-              </a:rPr>
-              <a:t>Flash memory : 32 </a:t>
-            </a:r>
-            <a:r>
-              <a:rPr lang="en-US" altLang="zh-TW" sz="1050" dirty="0">
-                <a:latin typeface="Times New Roman" panose="02020603050405020304" pitchFamily="18" charset="0"/>
-                <a:ea typeface="標楷體" panose="03000509000000000000" pitchFamily="65" charset="-120"/>
-                <a:cs typeface="Times New Roman" panose="02020603050405020304" pitchFamily="18" charset="0"/>
-              </a:rPr>
-              <a:t>KB</a:t>
+              <a:t>Flash memory : 32 KB</a:t>
             </a:r>
           </a:p>
           <a:p>
@@ -4096,7 +4036,31 @@
                 <a:ea typeface="標楷體" panose="03000509000000000000" pitchFamily="65" charset="-120"/>
                 <a:cs typeface="Times New Roman" panose="02020603050405020304" pitchFamily="18" charset="0"/>
               </a:rPr>
-              <a:t>可運行</a:t>
+              <a:t>可運行一個基於 </a:t>
+            </a:r>
+            <a:r>
+              <a:rPr lang="en-US" altLang="zh-TW" sz="1050" dirty="0">
+                <a:latin typeface="Times New Roman" panose="02020603050405020304" pitchFamily="18" charset="0"/>
+                <a:ea typeface="標楷體" panose="03000509000000000000" pitchFamily="65" charset="-120"/>
+                <a:cs typeface="Times New Roman" panose="02020603050405020304" pitchFamily="18" charset="0"/>
+              </a:rPr>
+              <a:t>Linux based </a:t>
+            </a:r>
+            <a:r>
+              <a:rPr lang="en-US" altLang="zh-TW" sz="1050" dirty="0" err="1">
+                <a:latin typeface="Times New Roman" panose="02020603050405020304" pitchFamily="18" charset="0"/>
+                <a:ea typeface="標楷體" panose="03000509000000000000" pitchFamily="65" charset="-120"/>
+                <a:cs typeface="Times New Roman" panose="02020603050405020304" pitchFamily="18" charset="0"/>
+              </a:rPr>
+              <a:t>OpenWRT</a:t>
+            </a:r>
+            <a:r>
+              <a:rPr lang="en-US" altLang="zh-TW" sz="1050" dirty="0">
+                <a:latin typeface="Times New Roman" panose="02020603050405020304" pitchFamily="18" charset="0"/>
+                <a:ea typeface="標楷體" panose="03000509000000000000" pitchFamily="65" charset="-120"/>
+                <a:cs typeface="Times New Roman" panose="02020603050405020304" pitchFamily="18" charset="0"/>
+              </a:rPr>
+              <a:t> </a:t>
             </a:r>
             <a:r>
               <a:rPr lang="zh-TW" altLang="en-US" sz="1050" dirty="0">
@@ -4104,47 +4068,7 @@
                 <a:ea typeface="標楷體" panose="03000509000000000000" pitchFamily="65" charset="-120"/>
                 <a:cs typeface="Times New Roman" panose="02020603050405020304" pitchFamily="18" charset="0"/>
               </a:rPr>
-              <a:t>一個基於 </a:t>
-            </a:r>
-            <a:r>
-              <a:rPr lang="en-US" altLang="zh-TW" sz="1050" dirty="0">
-                <a:latin typeface="Times New Roman" panose="02020603050405020304" pitchFamily="18" charset="0"/>
-                <a:ea typeface="標楷體" panose="03000509000000000000" pitchFamily="65" charset="-120"/>
-                <a:cs typeface="Times New Roman" panose="02020603050405020304" pitchFamily="18" charset="0"/>
-              </a:rPr>
-              <a:t>Linux based </a:t>
-            </a:r>
-            <a:r>
-              <a:rPr lang="en-US" altLang="zh-TW" sz="1050" dirty="0" err="1">
-                <a:latin typeface="Times New Roman" panose="02020603050405020304" pitchFamily="18" charset="0"/>
-                <a:ea typeface="標楷體" panose="03000509000000000000" pitchFamily="65" charset="-120"/>
-                <a:cs typeface="Times New Roman" panose="02020603050405020304" pitchFamily="18" charset="0"/>
-              </a:rPr>
-              <a:t>OpenWRT</a:t>
-            </a:r>
-            <a:r>
-              <a:rPr lang="en-US" altLang="zh-TW" sz="1050" dirty="0">
-                <a:latin typeface="Times New Roman" panose="02020603050405020304" pitchFamily="18" charset="0"/>
-                <a:ea typeface="標楷體" panose="03000509000000000000" pitchFamily="65" charset="-120"/>
-                <a:cs typeface="Times New Roman" panose="02020603050405020304" pitchFamily="18" charset="0"/>
-              </a:rPr>
-              <a:t> </a:t>
-            </a:r>
-            <a:r>
-              <a:rPr lang="zh-TW" altLang="en-US" sz="1050" dirty="0">
-                <a:latin typeface="Times New Roman" panose="02020603050405020304" pitchFamily="18" charset="0"/>
-                <a:ea typeface="標楷體" panose="03000509000000000000" pitchFamily="65" charset="-120"/>
-                <a:cs typeface="Times New Roman" panose="02020603050405020304" pitchFamily="18" charset="0"/>
-              </a:rPr>
-              <a:t>操作</a:t>
-            </a:r>
-            <a:r>
-              <a:rPr lang="zh-TW" altLang="en-US" sz="1050" dirty="0">
-                <a:latin typeface="Times New Roman" panose="02020603050405020304" pitchFamily="18" charset="0"/>
-                <a:ea typeface="標楷體" panose="03000509000000000000" pitchFamily="65" charset="-120"/>
-                <a:cs typeface="Times New Roman" panose="02020603050405020304" pitchFamily="18" charset="0"/>
-              </a:rPr>
-              <a:t>系統</a:t>
+              <a:t>操作系統</a:t>
             </a:r>
             <a:endParaRPr lang="en-US" altLang="zh-TW" sz="1050" dirty="0">
               <a:latin typeface="Times New Roman" panose="02020603050405020304" pitchFamily="18" charset="0"/>
@@ -4288,15 +4212,17 @@
                 <a:ea typeface="標楷體" panose="03000509000000000000" pitchFamily="65" charset="-120"/>
                 <a:cs typeface="Times New Roman" panose="02020603050405020304" pitchFamily="18" charset="0"/>
               </a:rPr>
-              <a:t> : IEEE </a:t>
-            </a:r>
+              <a:t> : IEEE 802.11b/g/n</a:t>
+            </a:r>
+          </a:p>
+          <a:p>
             <a:r>
               <a:rPr lang="en-US" altLang="zh-TW" sz="1050" dirty="0">
                 <a:latin typeface="Times New Roman" panose="02020603050405020304" pitchFamily="18" charset="0"/>
                 <a:ea typeface="標楷體" panose="03000509000000000000" pitchFamily="65" charset="-120"/>
                 <a:cs typeface="Times New Roman" panose="02020603050405020304" pitchFamily="18" charset="0"/>
               </a:rPr>
-              <a:t>802.11b/g/n</a:t>
+              <a:t>Card Reader : Micro-SD only</a:t>
             </a:r>
           </a:p>
           <a:p>
@@ -4306,13 +4232,8 @@
                 <a:ea typeface="標楷體" panose="03000509000000000000" pitchFamily="65" charset="-120"/>
                 <a:cs typeface="Times New Roman" panose="02020603050405020304" pitchFamily="18" charset="0"/>
               </a:rPr>
-              <a:t>Card Reader : Micro-SD only</a:t>
-            </a:r>
-            <a:endParaRPr lang="en-US" altLang="zh-TW" sz="1050" dirty="0">
-              <a:latin typeface="Times New Roman" panose="02020603050405020304" pitchFamily="18" charset="0"/>
-              <a:ea typeface="標楷體" panose="03000509000000000000" pitchFamily="65" charset="-120"/>
-              <a:cs typeface="Times New Roman" panose="02020603050405020304" pitchFamily="18" charset="0"/>
-            </a:endParaRPr>
+              <a:t>RAM : 128MB DDR2</a:t>
+            </a:r>
           </a:p>
           <a:p>
             <a:r>
@@ -4321,31 +4242,8 @@
                 <a:ea typeface="標楷體" panose="03000509000000000000" pitchFamily="65" charset="-120"/>
                 <a:cs typeface="Times New Roman" panose="02020603050405020304" pitchFamily="18" charset="0"/>
               </a:rPr>
-              <a:t>RAM : 128MB DDR2</a:t>
-            </a:r>
-          </a:p>
-          <a:p>
-            <a:r>
-              <a:rPr lang="en-US" altLang="zh-TW" sz="1050" dirty="0">
-                <a:latin typeface="Times New Roman" panose="02020603050405020304" pitchFamily="18" charset="0"/>
-                <a:ea typeface="標楷體" panose="03000509000000000000" pitchFamily="65" charset="-120"/>
-                <a:cs typeface="Times New Roman" panose="02020603050405020304" pitchFamily="18" charset="0"/>
-              </a:rPr>
-              <a:t>Flash </a:t>
-            </a:r>
-            <a:r>
-              <a:rPr lang="en-US" altLang="zh-TW" sz="1050" dirty="0">
-                <a:latin typeface="Times New Roman" panose="02020603050405020304" pitchFamily="18" charset="0"/>
-                <a:ea typeface="標楷體" panose="03000509000000000000" pitchFamily="65" charset="-120"/>
-                <a:cs typeface="Times New Roman" panose="02020603050405020304" pitchFamily="18" charset="0"/>
-              </a:rPr>
-              <a:t>Memory : 32 MB</a:t>
-            </a:r>
-            <a:endParaRPr lang="en-US" altLang="zh-TW" sz="1050" dirty="0">
-              <a:latin typeface="Times New Roman" panose="02020603050405020304" pitchFamily="18" charset="0"/>
-              <a:ea typeface="標楷體" panose="03000509000000000000" pitchFamily="65" charset="-120"/>
-              <a:cs typeface="Times New Roman" panose="02020603050405020304" pitchFamily="18" charset="0"/>
-            </a:endParaRPr>
+              <a:t>Flash Memory : 32 MB</a:t>
+            </a:r>
           </a:p>
           <a:p>
             <a:endParaRPr lang="zh-TW" altLang="en-US" sz="1050" dirty="0">
